--- a/COSC402_545_Software_OS_Security/MyPPTs/2_setUID/5_set-UID/Set-UID Privileged Programs.pptx
+++ b/COSC402_545_Software_OS_Security/MyPPTs/2_setUID/5_set-UID/Set-UID Privileged Programs.pptx
@@ -5,7 +5,7 @@
     <p:sldMasterId id="2147483648" r:id="rId1"/>
   </p:sldMasterIdLst>
   <p:notesMasterIdLst>
-    <p:notesMasterId r:id="rId34"/>
+    <p:notesMasterId r:id="rId41"/>
   </p:notesMasterIdLst>
   <p:sldIdLst>
     <p:sldId id="256" r:id="rId2"/>
@@ -28,18 +28,25 @@
     <p:sldId id="287" r:id="rId19"/>
     <p:sldId id="271" r:id="rId20"/>
     <p:sldId id="272" r:id="rId21"/>
-    <p:sldId id="274" r:id="rId22"/>
+    <p:sldId id="288" r:id="rId22"/>
     <p:sldId id="275" r:id="rId23"/>
-    <p:sldId id="276" r:id="rId24"/>
-    <p:sldId id="278" r:id="rId25"/>
-    <p:sldId id="277" r:id="rId26"/>
-    <p:sldId id="279" r:id="rId27"/>
-    <p:sldId id="280" r:id="rId28"/>
-    <p:sldId id="281" r:id="rId29"/>
-    <p:sldId id="282" r:id="rId30"/>
-    <p:sldId id="283" r:id="rId31"/>
-    <p:sldId id="284" r:id="rId32"/>
-    <p:sldId id="285" r:id="rId33"/>
+    <p:sldId id="289" r:id="rId24"/>
+    <p:sldId id="290" r:id="rId25"/>
+    <p:sldId id="291" r:id="rId26"/>
+    <p:sldId id="292" r:id="rId27"/>
+    <p:sldId id="293" r:id="rId28"/>
+    <p:sldId id="294" r:id="rId29"/>
+    <p:sldId id="276" r:id="rId30"/>
+    <p:sldId id="278" r:id="rId31"/>
+    <p:sldId id="277" r:id="rId32"/>
+    <p:sldId id="295" r:id="rId33"/>
+    <p:sldId id="279" r:id="rId34"/>
+    <p:sldId id="280" r:id="rId35"/>
+    <p:sldId id="281" r:id="rId36"/>
+    <p:sldId id="282" r:id="rId37"/>
+    <p:sldId id="283" r:id="rId38"/>
+    <p:sldId id="284" r:id="rId39"/>
+    <p:sldId id="285" r:id="rId40"/>
   </p:sldIdLst>
   <p:sldSz cx="9144000" cy="6858000" type="screen4x3"/>
   <p:notesSz cx="6858000" cy="9144000"/>
@@ -138,6 +145,22 @@
       </a:defRPr>
     </a:lvl9pPr>
   </p:defaultTextStyle>
+  <p:extLst>
+    <p:ext uri="{EFAFB233-063F-42B5-8137-9DF3F51BA10A}">
+      <p15:sldGuideLst xmlns:p15="http://schemas.microsoft.com/office/powerpoint/2012/main">
+        <p15:guide id="1" orient="horz" pos="2160">
+          <p15:clr>
+            <a:srgbClr val="A4A3A4"/>
+          </p15:clr>
+        </p15:guide>
+        <p15:guide id="2" pos="2880">
+          <p15:clr>
+            <a:srgbClr val="A4A3A4"/>
+          </p15:clr>
+        </p15:guide>
+      </p15:sldGuideLst>
+    </p:ext>
+  </p:extLst>
 </p:presentation>
 </file>
 
@@ -223,7 +246,7 @@
           <a:p>
             <a:fld id="{9D697D19-E34F-411A-ACAB-00ECBCEFF06F}" type="datetimeFigureOut">
               <a:rPr lang="en-US" smtClean="0"/>
-              <a:t>1/12/2016</a:t>
+              <a:t>2/23/2016</a:t>
             </a:fld>
             <a:endParaRPr lang="en-US"/>
           </a:p>
@@ -604,6 +627,11 @@
         </p:txBody>
       </p:sp>
     </p:spTree>
+    <p:extLst>
+      <p:ext uri="{BB962C8B-B14F-4D97-AF65-F5344CB8AC3E}">
+        <p14:creationId xmlns:p14="http://schemas.microsoft.com/office/powerpoint/2010/main" val="1989534904"/>
+      </p:ext>
+    </p:extLst>
   </p:cSld>
   <p:clrMapOvr>
     <a:masterClrMapping/>
@@ -724,6 +752,179 @@
         </p:txBody>
       </p:sp>
     </p:spTree>
+    <p:extLst>
+      <p:ext uri="{BB962C8B-B14F-4D97-AF65-F5344CB8AC3E}">
+        <p14:creationId xmlns:p14="http://schemas.microsoft.com/office/powerpoint/2010/main" val="147007701"/>
+      </p:ext>
+    </p:extLst>
+  </p:cSld>
+  <p:clrMapOvr>
+    <a:masterClrMapping/>
+  </p:clrMapOvr>
+</p:notes>
+</file>
+
+<file path=ppt/notesSlides/notesSlide3.xml><?xml version="1.0" encoding="utf-8"?>
+<p:notes xmlns:a="http://schemas.openxmlformats.org/drawingml/2006/main" xmlns:r="http://schemas.openxmlformats.org/officeDocument/2006/relationships" xmlns:p="http://schemas.openxmlformats.org/presentationml/2006/main">
+  <p:cSld>
+    <p:spTree>
+      <p:nvGrpSpPr>
+        <p:cNvPr id="1" name=""/>
+        <p:cNvGrpSpPr/>
+        <p:nvPr/>
+      </p:nvGrpSpPr>
+      <p:grpSpPr>
+        <a:xfrm>
+          <a:off x="0" y="0"/>
+          <a:ext cx="0" cy="0"/>
+          <a:chOff x="0" y="0"/>
+          <a:chExt cx="0" cy="0"/>
+        </a:xfrm>
+      </p:grpSpPr>
+      <p:sp>
+        <p:nvSpPr>
+          <p:cNvPr id="2" name="Slide Image Placeholder 1"/>
+          <p:cNvSpPr>
+            <a:spLocks noGrp="1" noRot="1" noChangeAspect="1"/>
+          </p:cNvSpPr>
+          <p:nvPr>
+            <p:ph type="sldImg"/>
+          </p:nvPr>
+        </p:nvSpPr>
+        <p:spPr/>
+      </p:sp>
+      <p:sp>
+        <p:nvSpPr>
+          <p:cNvPr id="3" name="Notes Placeholder 2"/>
+          <p:cNvSpPr>
+            <a:spLocks noGrp="1"/>
+          </p:cNvSpPr>
+          <p:nvPr>
+            <p:ph type="body" idx="1"/>
+          </p:nvPr>
+        </p:nvSpPr>
+        <p:spPr/>
+        <p:txBody>
+          <a:bodyPr/>
+          <a:lstStyle/>
+          <a:p>
+            <a:endParaRPr lang="en-US" dirty="0"/>
+          </a:p>
+        </p:txBody>
+      </p:sp>
+      <p:sp>
+        <p:nvSpPr>
+          <p:cNvPr id="4" name="Slide Number Placeholder 3"/>
+          <p:cNvSpPr>
+            <a:spLocks noGrp="1"/>
+          </p:cNvSpPr>
+          <p:nvPr>
+            <p:ph type="sldNum" sz="quarter" idx="10"/>
+          </p:nvPr>
+        </p:nvSpPr>
+        <p:spPr/>
+        <p:txBody>
+          <a:bodyPr/>
+          <a:lstStyle/>
+          <a:p>
+            <a:fld id="{74095BAB-6F61-4ADE-B6B2-A9B6CECA12D5}" type="slidenum">
+              <a:rPr lang="en-US" smtClean="0"/>
+              <a:t>21</a:t>
+            </a:fld>
+            <a:endParaRPr lang="en-US"/>
+          </a:p>
+        </p:txBody>
+      </p:sp>
+    </p:spTree>
+    <p:extLst>
+      <p:ext uri="{BB962C8B-B14F-4D97-AF65-F5344CB8AC3E}">
+        <p14:creationId xmlns:p14="http://schemas.microsoft.com/office/powerpoint/2010/main" val="2642015258"/>
+      </p:ext>
+    </p:extLst>
+  </p:cSld>
+  <p:clrMapOvr>
+    <a:masterClrMapping/>
+  </p:clrMapOvr>
+</p:notes>
+</file>
+
+<file path=ppt/notesSlides/notesSlide4.xml><?xml version="1.0" encoding="utf-8"?>
+<p:notes xmlns:a="http://schemas.openxmlformats.org/drawingml/2006/main" xmlns:r="http://schemas.openxmlformats.org/officeDocument/2006/relationships" xmlns:p="http://schemas.openxmlformats.org/presentationml/2006/main">
+  <p:cSld>
+    <p:spTree>
+      <p:nvGrpSpPr>
+        <p:cNvPr id="1" name=""/>
+        <p:cNvGrpSpPr/>
+        <p:nvPr/>
+      </p:nvGrpSpPr>
+      <p:grpSpPr>
+        <a:xfrm>
+          <a:off x="0" y="0"/>
+          <a:ext cx="0" cy="0"/>
+          <a:chOff x="0" y="0"/>
+          <a:chExt cx="0" cy="0"/>
+        </a:xfrm>
+      </p:grpSpPr>
+      <p:sp>
+        <p:nvSpPr>
+          <p:cNvPr id="2" name="Slide Image Placeholder 1"/>
+          <p:cNvSpPr>
+            <a:spLocks noGrp="1" noRot="1" noChangeAspect="1"/>
+          </p:cNvSpPr>
+          <p:nvPr>
+            <p:ph type="sldImg"/>
+          </p:nvPr>
+        </p:nvSpPr>
+        <p:spPr/>
+      </p:sp>
+      <p:sp>
+        <p:nvSpPr>
+          <p:cNvPr id="3" name="Notes Placeholder 2"/>
+          <p:cNvSpPr>
+            <a:spLocks noGrp="1"/>
+          </p:cNvSpPr>
+          <p:nvPr>
+            <p:ph type="body" idx="1"/>
+          </p:nvPr>
+        </p:nvSpPr>
+        <p:spPr/>
+        <p:txBody>
+          <a:bodyPr/>
+          <a:lstStyle/>
+          <a:p>
+            <a:endParaRPr lang="en-US" dirty="0"/>
+          </a:p>
+        </p:txBody>
+      </p:sp>
+      <p:sp>
+        <p:nvSpPr>
+          <p:cNvPr id="4" name="Slide Number Placeholder 3"/>
+          <p:cNvSpPr>
+            <a:spLocks noGrp="1"/>
+          </p:cNvSpPr>
+          <p:nvPr>
+            <p:ph type="sldNum" sz="quarter" idx="10"/>
+          </p:nvPr>
+        </p:nvSpPr>
+        <p:spPr/>
+        <p:txBody>
+          <a:bodyPr/>
+          <a:lstStyle/>
+          <a:p>
+            <a:fld id="{74095BAB-6F61-4ADE-B6B2-A9B6CECA12D5}" type="slidenum">
+              <a:rPr lang="en-US" smtClean="0"/>
+              <a:t>25</a:t>
+            </a:fld>
+            <a:endParaRPr lang="en-US"/>
+          </a:p>
+        </p:txBody>
+      </p:sp>
+    </p:spTree>
+    <p:extLst>
+      <p:ext uri="{BB962C8B-B14F-4D97-AF65-F5344CB8AC3E}">
+        <p14:creationId xmlns:p14="http://schemas.microsoft.com/office/powerpoint/2010/main" val="1184655938"/>
+      </p:ext>
+    </p:extLst>
   </p:cSld>
   <p:clrMapOvr>
     <a:masterClrMapping/>
@@ -912,7 +1113,7 @@
           <a:p>
             <a:fld id="{847B7495-11CC-433F-9914-FF7A4820C2E4}" type="datetimeFigureOut">
               <a:rPr lang="en-US" smtClean="0"/>
-              <a:t>1/12/2016</a:t>
+              <a:t>2/23/2016</a:t>
             </a:fld>
             <a:endParaRPr lang="en-US"/>
           </a:p>
@@ -1082,7 +1283,7 @@
           <a:p>
             <a:fld id="{847B7495-11CC-433F-9914-FF7A4820C2E4}" type="datetimeFigureOut">
               <a:rPr lang="en-US" smtClean="0"/>
-              <a:t>1/12/2016</a:t>
+              <a:t>2/23/2016</a:t>
             </a:fld>
             <a:endParaRPr lang="en-US"/>
           </a:p>
@@ -1262,7 +1463,7 @@
           <a:p>
             <a:fld id="{847B7495-11CC-433F-9914-FF7A4820C2E4}" type="datetimeFigureOut">
               <a:rPr lang="en-US" smtClean="0"/>
-              <a:t>1/12/2016</a:t>
+              <a:t>2/23/2016</a:t>
             </a:fld>
             <a:endParaRPr lang="en-US"/>
           </a:p>
@@ -1432,7 +1633,7 @@
           <a:p>
             <a:fld id="{847B7495-11CC-433F-9914-FF7A4820C2E4}" type="datetimeFigureOut">
               <a:rPr lang="en-US" smtClean="0"/>
-              <a:t>1/12/2016</a:t>
+              <a:t>2/23/2016</a:t>
             </a:fld>
             <a:endParaRPr lang="en-US"/>
           </a:p>
@@ -1678,7 +1879,7 @@
           <a:p>
             <a:fld id="{847B7495-11CC-433F-9914-FF7A4820C2E4}" type="datetimeFigureOut">
               <a:rPr lang="en-US" smtClean="0"/>
-              <a:t>1/12/2016</a:t>
+              <a:t>2/23/2016</a:t>
             </a:fld>
             <a:endParaRPr lang="en-US"/>
           </a:p>
@@ -1966,7 +2167,7 @@
           <a:p>
             <a:fld id="{847B7495-11CC-433F-9914-FF7A4820C2E4}" type="datetimeFigureOut">
               <a:rPr lang="en-US" smtClean="0"/>
-              <a:t>1/12/2016</a:t>
+              <a:t>2/23/2016</a:t>
             </a:fld>
             <a:endParaRPr lang="en-US"/>
           </a:p>
@@ -2388,7 +2589,7 @@
           <a:p>
             <a:fld id="{847B7495-11CC-433F-9914-FF7A4820C2E4}" type="datetimeFigureOut">
               <a:rPr lang="en-US" smtClean="0"/>
-              <a:t>1/12/2016</a:t>
+              <a:t>2/23/2016</a:t>
             </a:fld>
             <a:endParaRPr lang="en-US"/>
           </a:p>
@@ -2506,7 +2707,7 @@
           <a:p>
             <a:fld id="{847B7495-11CC-433F-9914-FF7A4820C2E4}" type="datetimeFigureOut">
               <a:rPr lang="en-US" smtClean="0"/>
-              <a:t>1/12/2016</a:t>
+              <a:t>2/23/2016</a:t>
             </a:fld>
             <a:endParaRPr lang="en-US"/>
           </a:p>
@@ -2601,7 +2802,7 @@
           <a:p>
             <a:fld id="{847B7495-11CC-433F-9914-FF7A4820C2E4}" type="datetimeFigureOut">
               <a:rPr lang="en-US" smtClean="0"/>
-              <a:t>1/12/2016</a:t>
+              <a:t>2/23/2016</a:t>
             </a:fld>
             <a:endParaRPr lang="en-US"/>
           </a:p>
@@ -2878,7 +3079,7 @@
           <a:p>
             <a:fld id="{847B7495-11CC-433F-9914-FF7A4820C2E4}" type="datetimeFigureOut">
               <a:rPr lang="en-US" smtClean="0"/>
-              <a:t>1/12/2016</a:t>
+              <a:t>2/23/2016</a:t>
             </a:fld>
             <a:endParaRPr lang="en-US"/>
           </a:p>
@@ -3131,7 +3332,7 @@
           <a:p>
             <a:fld id="{847B7495-11CC-433F-9914-FF7A4820C2E4}" type="datetimeFigureOut">
               <a:rPr lang="en-US" smtClean="0"/>
-              <a:t>1/12/2016</a:t>
+              <a:t>2/23/2016</a:t>
             </a:fld>
             <a:endParaRPr lang="en-US"/>
           </a:p>
@@ -3344,7 +3545,7 @@
           <a:p>
             <a:fld id="{847B7495-11CC-433F-9914-FF7A4820C2E4}" type="datetimeFigureOut">
               <a:rPr lang="en-US" smtClean="0"/>
-              <a:t>1/12/2016</a:t>
+              <a:t>2/23/2016</a:t>
             </a:fld>
             <a:endParaRPr lang="en-US"/>
           </a:p>
@@ -5948,7 +6149,7 @@
           <a:p>
             <a:r>
               <a:rPr lang="en-US" dirty="0"/>
-              <a:t>Hidden Inputs: Environment Variables</a:t>
+              <a:t>A privileged program must conduct sanity check on all the inputs. </a:t>
             </a:r>
           </a:p>
         </p:txBody>
@@ -5966,142 +6167,117 @@
         <p:spPr/>
         <p:txBody>
           <a:bodyPr>
-            <a:normAutofit fontScale="92500" lnSpcReduction="20000"/>
+            <a:normAutofit fontScale="70000" lnSpcReduction="20000"/>
           </a:bodyPr>
           <a:lstStyle/>
           <a:p>
             <a:r>
+              <a:rPr lang="en-US" dirty="0" smtClean="0"/>
+              <a:t>Two type of inputs</a:t>
+            </a:r>
+          </a:p>
+          <a:p>
+            <a:pPr lvl="1"/>
+            <a:r>
+              <a:rPr lang="en-US" dirty="0" smtClean="0"/>
+              <a:t>User input</a:t>
+            </a:r>
+          </a:p>
+          <a:p>
+            <a:pPr lvl="1"/>
+            <a:r>
+              <a:rPr lang="en-US" dirty="0" smtClean="0"/>
+              <a:t>Environment Variables </a:t>
+            </a:r>
+          </a:p>
+          <a:p>
+            <a:pPr lvl="2"/>
+            <a:r>
+              <a:rPr lang="en-US" dirty="0" smtClean="0"/>
+              <a:t>PATH, </a:t>
+            </a:r>
+            <a:r>
+              <a:rPr lang="en-US" dirty="0" smtClean="0">
+                <a:solidFill>
+                  <a:srgbClr val="7030A0"/>
+                </a:solidFill>
+              </a:rPr>
+              <a:t>IFS, LD_LIBRARY_PATH , </a:t>
+            </a:r>
+            <a:r>
+              <a:rPr lang="en-US" dirty="0">
+                <a:solidFill>
+                  <a:srgbClr val="7030A0"/>
+                </a:solidFill>
+              </a:rPr>
+              <a:t>LD_PRELOAD</a:t>
+            </a:r>
+            <a:endParaRPr lang="en-US" dirty="0" smtClean="0"/>
+          </a:p>
+          <a:p>
+            <a:r>
+              <a:rPr lang="en-US" dirty="0" smtClean="0"/>
+              <a:t>Input </a:t>
+            </a:r>
+            <a:r>
+              <a:rPr lang="en-US" dirty="0"/>
+              <a:t>validation is actually part of </a:t>
+            </a:r>
+            <a:r>
+              <a:rPr lang="en-US" dirty="0" smtClean="0"/>
+              <a:t>the access </a:t>
+            </a:r>
+            <a:r>
+              <a:rPr lang="en-US" dirty="0"/>
+              <a:t>control that a privileged program must conduct to ensure the security of the program. </a:t>
+            </a:r>
+            <a:endParaRPr lang="en-US" dirty="0" smtClean="0"/>
+          </a:p>
+          <a:p>
+            <a:r>
+              <a:rPr lang="en-US" dirty="0" smtClean="0"/>
+              <a:t>A </a:t>
+            </a:r>
+            <a:r>
+              <a:rPr lang="en-US" dirty="0"/>
+              <a:t>lot of </a:t>
+            </a:r>
+            <a:r>
+              <a:rPr lang="en-US" dirty="0" smtClean="0"/>
+              <a:t>security problems </a:t>
+            </a:r>
+            <a:r>
+              <a:rPr lang="en-US" dirty="0"/>
+              <a:t>are caused by the mistakes in input validation</a:t>
+            </a:r>
+            <a:r>
+              <a:rPr lang="en-US" dirty="0" smtClean="0"/>
+              <a:t>.</a:t>
+            </a:r>
+          </a:p>
+          <a:p>
+            <a:pPr lvl="1"/>
+            <a:r>
               <a:rPr lang="en-US" dirty="0"/>
               <a:t>If inputs are explicit in a program, programmers might remember to do the input validation; </a:t>
             </a:r>
-            <a:endParaRPr lang="en-US" dirty="0" smtClean="0"/>
-          </a:p>
-          <a:p>
-            <a:r>
-              <a:rPr lang="en-US" dirty="0" smtClean="0"/>
-              <a:t>if inputs are </a:t>
-            </a:r>
-            <a:r>
-              <a:rPr lang="en-US" dirty="0"/>
-              <a:t>implicit, input validation may be forgotten, because programmers may not know the existence of </a:t>
-            </a:r>
-            <a:r>
-              <a:rPr lang="en-US" dirty="0" smtClean="0"/>
-              <a:t>such inputs</a:t>
-            </a:r>
-            <a:r>
-              <a:rPr lang="en-US" dirty="0"/>
-              <a:t>. </a:t>
-            </a:r>
-            <a:endParaRPr lang="en-US" dirty="0" smtClean="0"/>
-          </a:p>
-          <a:p>
-            <a:r>
-              <a:rPr lang="en-US" dirty="0" smtClean="0"/>
-              <a:t>Environment </a:t>
-            </a:r>
-            <a:r>
-              <a:rPr lang="en-US" dirty="0"/>
-              <a:t>variables are such kind inputs</a:t>
+          </a:p>
+          <a:p>
+            <a:pPr lvl="1"/>
+            <a:r>
+              <a:rPr lang="en-US" dirty="0"/>
+              <a:t>if inputs are implicit, input validation may be forgotten, because programmers may not know the existence of such inputs. </a:t>
+            </a:r>
+          </a:p>
+          <a:p>
+            <a:r>
+              <a:rPr lang="en-US" dirty="0"/>
+              <a:t>Environment variables are such kind inputs</a:t>
             </a:r>
             <a:r>
               <a:rPr lang="en-US" dirty="0" smtClean="0"/>
               <a:t>.</a:t>
             </a:r>
-          </a:p>
-          <a:p>
-            <a:r>
-              <a:rPr lang="en-US" dirty="0" smtClean="0"/>
-              <a:t>commands:</a:t>
-            </a:r>
-          </a:p>
-          <a:p>
-            <a:pPr lvl="1"/>
-            <a:r>
-              <a:rPr lang="en-US" i="1" dirty="0" err="1" smtClean="0">
-                <a:solidFill>
-                  <a:srgbClr val="FF0000"/>
-                </a:solidFill>
-              </a:rPr>
-              <a:t>printenv</a:t>
-            </a:r>
-            <a:r>
-              <a:rPr lang="en-US" dirty="0" smtClean="0"/>
-              <a:t>, </a:t>
-            </a:r>
-            <a:r>
-              <a:rPr lang="en-US" i="1" dirty="0" err="1" smtClean="0">
-                <a:solidFill>
-                  <a:srgbClr val="FF0000"/>
-                </a:solidFill>
-              </a:rPr>
-              <a:t>printenv</a:t>
-            </a:r>
-            <a:r>
-              <a:rPr lang="en-US" i="1" dirty="0" smtClean="0">
-                <a:solidFill>
-                  <a:srgbClr val="FF0000"/>
-                </a:solidFill>
-              </a:rPr>
-              <a:t> PWD </a:t>
-            </a:r>
-            <a:r>
-              <a:rPr lang="en-US" dirty="0" smtClean="0"/>
-              <a:t>(path of working directory)</a:t>
-            </a:r>
-          </a:p>
-          <a:p>
-            <a:pPr lvl="1"/>
-            <a:r>
-              <a:rPr lang="en-US" i="1" dirty="0" err="1">
-                <a:solidFill>
-                  <a:srgbClr val="FF0000"/>
-                </a:solidFill>
-              </a:rPr>
-              <a:t>env</a:t>
-            </a:r>
-            <a:endParaRPr lang="en-US" i="1" dirty="0">
-              <a:solidFill>
-                <a:srgbClr val="FF0000"/>
-              </a:solidFill>
-            </a:endParaRPr>
-          </a:p>
-          <a:p>
-            <a:pPr lvl="1"/>
-            <a:r>
-              <a:rPr lang="en-US" i="1" dirty="0">
-                <a:solidFill>
-                  <a:srgbClr val="FF0000"/>
-                </a:solidFill>
-              </a:rPr>
-              <a:t>export</a:t>
-            </a:r>
-            <a:r>
-              <a:rPr lang="en-US" dirty="0" smtClean="0"/>
-              <a:t>: set an environment variable</a:t>
-            </a:r>
-          </a:p>
-          <a:p>
-            <a:pPr lvl="1"/>
-            <a:r>
-              <a:rPr lang="en-US" i="1" dirty="0">
-                <a:solidFill>
-                  <a:srgbClr val="FF0000"/>
-                </a:solidFill>
-              </a:rPr>
-              <a:t>unset</a:t>
-            </a:r>
-            <a:r>
-              <a:rPr lang="en-US" dirty="0" smtClean="0"/>
-              <a:t>: unset </a:t>
-            </a:r>
-            <a:r>
-              <a:rPr lang="en-US" dirty="0"/>
-              <a:t>an environment variable</a:t>
-            </a:r>
-          </a:p>
-          <a:p>
-            <a:pPr lvl="1"/>
             <a:endParaRPr lang="en-US" dirty="0"/>
           </a:p>
         </p:txBody>
@@ -6109,7 +6285,7 @@
     </p:spTree>
     <p:extLst>
       <p:ext uri="{BB962C8B-B14F-4D97-AF65-F5344CB8AC3E}">
-        <p14:creationId xmlns:p14="http://schemas.microsoft.com/office/powerpoint/2010/main" val="1667883179"/>
+        <p14:creationId xmlns:p14="http://schemas.microsoft.com/office/powerpoint/2010/main" val="3490465376"/>
       </p:ext>
     </p:extLst>
   </p:cSld>
@@ -6156,14 +6332,19 @@
         <p:spPr/>
         <p:txBody>
           <a:bodyPr>
-            <a:normAutofit fontScale="90000"/>
+            <a:normAutofit/>
           </a:bodyPr>
           <a:lstStyle/>
           <a:p>
             <a:r>
               <a:rPr lang="en-US" dirty="0"/>
-              <a:t>UNIX process runs in a specific environment</a:t>
-            </a:r>
+              <a:t>UNIX process </a:t>
+            </a:r>
+            <a:r>
+              <a:rPr lang="en-US" dirty="0" smtClean="0"/>
+              <a:t>and Environment</a:t>
+            </a:r>
+            <a:endParaRPr lang="en-US" dirty="0"/>
           </a:p>
         </p:txBody>
       </p:sp>
@@ -6183,6 +6364,17 @@
             <a:normAutofit fontScale="77500" lnSpcReduction="20000"/>
           </a:bodyPr>
           <a:lstStyle/>
+          <a:p>
+            <a:r>
+              <a:rPr lang="en-US" dirty="0"/>
+              <a:t>Every UNIX process runs in a specific </a:t>
+            </a:r>
+            <a:r>
+              <a:rPr lang="en-US" dirty="0" smtClean="0"/>
+              <a:t>environment </a:t>
+            </a:r>
+            <a:endParaRPr lang="en-US" dirty="0" smtClean="0"/>
+          </a:p>
           <a:p>
             <a:r>
               <a:rPr lang="en-US" dirty="0" smtClean="0"/>
@@ -6338,6 +6530,214 @@
       </p:grpSpPr>
       <p:sp>
         <p:nvSpPr>
+          <p:cNvPr id="4" name="Title 3"/>
+          <p:cNvSpPr>
+            <a:spLocks noGrp="1"/>
+          </p:cNvSpPr>
+          <p:nvPr>
+            <p:ph type="title"/>
+          </p:nvPr>
+        </p:nvSpPr>
+        <p:spPr/>
+        <p:txBody>
+          <a:bodyPr>
+            <a:normAutofit fontScale="90000"/>
+          </a:bodyPr>
+          <a:lstStyle/>
+          <a:p>
+            <a:r>
+              <a:rPr lang="en-US" dirty="0"/>
+              <a:t>Manipulating environment variables commands</a:t>
+            </a:r>
+            <a:endParaRPr lang="en-US" dirty="0"/>
+          </a:p>
+        </p:txBody>
+      </p:sp>
+      <p:sp>
+        <p:nvSpPr>
+          <p:cNvPr id="5" name="Content Placeholder 4"/>
+          <p:cNvSpPr>
+            <a:spLocks noGrp="1"/>
+          </p:cNvSpPr>
+          <p:nvPr>
+            <p:ph idx="1"/>
+          </p:nvPr>
+        </p:nvSpPr>
+        <p:spPr/>
+        <p:txBody>
+          <a:bodyPr>
+            <a:normAutofit lnSpcReduction="10000"/>
+          </a:bodyPr>
+          <a:lstStyle/>
+          <a:p>
+            <a:r>
+              <a:rPr lang="en-US" dirty="0" smtClean="0"/>
+              <a:t>Commands used in Lab (task1)</a:t>
+            </a:r>
+            <a:endParaRPr lang="en-US" dirty="0"/>
+          </a:p>
+          <a:p>
+            <a:pPr lvl="1"/>
+            <a:r>
+              <a:rPr lang="en-US" i="1" dirty="0" err="1" smtClean="0">
+                <a:solidFill>
+                  <a:srgbClr val="FF0000"/>
+                </a:solidFill>
+              </a:rPr>
+              <a:t>printenv</a:t>
+            </a:r>
+            <a:r>
+              <a:rPr lang="en-US" dirty="0" smtClean="0"/>
+              <a:t>, </a:t>
+            </a:r>
+            <a:r>
+              <a:rPr lang="en-US" i="1" dirty="0" err="1" smtClean="0">
+                <a:solidFill>
+                  <a:srgbClr val="FF0000"/>
+                </a:solidFill>
+              </a:rPr>
+              <a:t>printenv</a:t>
+            </a:r>
+            <a:r>
+              <a:rPr lang="en-US" i="1" dirty="0" smtClean="0">
+                <a:solidFill>
+                  <a:srgbClr val="FF0000"/>
+                </a:solidFill>
+              </a:rPr>
+              <a:t> PWD </a:t>
+            </a:r>
+            <a:r>
+              <a:rPr lang="en-US" dirty="0" smtClean="0"/>
+              <a:t>(path of working directory)</a:t>
+            </a:r>
+          </a:p>
+          <a:p>
+            <a:pPr lvl="1"/>
+            <a:r>
+              <a:rPr lang="en-US" i="1" dirty="0" err="1">
+                <a:solidFill>
+                  <a:srgbClr val="FF0000"/>
+                </a:solidFill>
+              </a:rPr>
+              <a:t>env</a:t>
+            </a:r>
+            <a:endParaRPr lang="en-US" i="1" dirty="0">
+              <a:solidFill>
+                <a:srgbClr val="FF0000"/>
+              </a:solidFill>
+            </a:endParaRPr>
+          </a:p>
+          <a:p>
+            <a:pPr lvl="1"/>
+            <a:r>
+              <a:rPr lang="en-US" i="1" dirty="0">
+                <a:solidFill>
+                  <a:srgbClr val="FF0000"/>
+                </a:solidFill>
+              </a:rPr>
+              <a:t>export</a:t>
+            </a:r>
+            <a:r>
+              <a:rPr lang="en-US" dirty="0" smtClean="0"/>
+              <a:t>: set an environment variable</a:t>
+            </a:r>
+          </a:p>
+          <a:p>
+            <a:pPr lvl="1"/>
+            <a:r>
+              <a:rPr lang="en-US" i="1" dirty="0">
+                <a:solidFill>
+                  <a:srgbClr val="FF0000"/>
+                </a:solidFill>
+              </a:rPr>
+              <a:t>unset</a:t>
+            </a:r>
+            <a:r>
+              <a:rPr lang="en-US" dirty="0" smtClean="0"/>
+              <a:t>: unset </a:t>
+            </a:r>
+            <a:r>
+              <a:rPr lang="en-US" dirty="0"/>
+              <a:t>an environment variable</a:t>
+            </a:r>
+          </a:p>
+          <a:p>
+            <a:r>
+              <a:rPr lang="en-US" dirty="0" smtClean="0"/>
+              <a:t>Example</a:t>
+            </a:r>
+          </a:p>
+          <a:p>
+            <a:pPr lvl="1"/>
+            <a:r>
+              <a:rPr lang="en-US" dirty="0" smtClean="0"/>
+              <a:t>%export foo=“test string”</a:t>
+            </a:r>
+          </a:p>
+          <a:p>
+            <a:pPr lvl="1"/>
+            <a:r>
+              <a:rPr lang="en-US" dirty="0"/>
+              <a:t>%</a:t>
+            </a:r>
+            <a:r>
+              <a:rPr lang="en-US" dirty="0" err="1" smtClean="0"/>
+              <a:t>printenv</a:t>
+            </a:r>
+            <a:r>
+              <a:rPr lang="en-US" dirty="0" smtClean="0"/>
+              <a:t> foo</a:t>
+            </a:r>
+          </a:p>
+          <a:p>
+            <a:pPr lvl="2"/>
+            <a:r>
+              <a:rPr lang="en-US" dirty="0" smtClean="0"/>
+              <a:t>test string</a:t>
+            </a:r>
+            <a:endParaRPr lang="en-US" dirty="0"/>
+          </a:p>
+        </p:txBody>
+      </p:sp>
+    </p:spTree>
+    <p:extLst>
+      <p:ext uri="{BB962C8B-B14F-4D97-AF65-F5344CB8AC3E}">
+        <p14:creationId xmlns:p14="http://schemas.microsoft.com/office/powerpoint/2010/main" val="4253274927"/>
+      </p:ext>
+    </p:extLst>
+  </p:cSld>
+  <p:clrMapOvr>
+    <a:masterClrMapping/>
+  </p:clrMapOvr>
+  <p:timing>
+    <p:tnLst>
+      <p:par>
+        <p:cTn id="1" dur="indefinite" restart="never" nodeType="tmRoot"/>
+      </p:par>
+    </p:tnLst>
+  </p:timing>
+</p:sld>
+</file>
+
+<file path=ppt/slides/slide24.xml><?xml version="1.0" encoding="utf-8"?>
+<p:sld xmlns:a="http://schemas.openxmlformats.org/drawingml/2006/main" xmlns:r="http://schemas.openxmlformats.org/officeDocument/2006/relationships" xmlns:p="http://schemas.openxmlformats.org/presentationml/2006/main">
+  <p:cSld>
+    <p:spTree>
+      <p:nvGrpSpPr>
+        <p:cNvPr id="1" name=""/>
+        <p:cNvGrpSpPr/>
+        <p:nvPr/>
+      </p:nvGrpSpPr>
+      <p:grpSpPr>
+        <a:xfrm>
+          <a:off x="0" y="0"/>
+          <a:ext cx="0" cy="0"/>
+          <a:chOff x="0" y="0"/>
+          <a:chExt cx="0" cy="0"/>
+        </a:xfrm>
+      </p:grpSpPr>
+      <p:sp>
+        <p:nvSpPr>
           <p:cNvPr id="2" name="Title 1"/>
           <p:cNvSpPr>
             <a:spLocks noGrp="1"/>
@@ -6349,39 +6749,19 @@
         <p:spPr/>
         <p:txBody>
           <a:bodyPr>
-            <a:normAutofit fontScale="90000"/>
+            <a:normAutofit/>
           </a:bodyPr>
           <a:lstStyle/>
           <a:p>
             <a:r>
-              <a:rPr lang="en-US" dirty="0" smtClean="0"/>
-              <a:t>How system </a:t>
-            </a:r>
-            <a:r>
-              <a:rPr lang="en-US" dirty="0"/>
-              <a:t>(</a:t>
-            </a:r>
-            <a:r>
-              <a:rPr lang="en-US" dirty="0" err="1"/>
-              <a:t>const</a:t>
-            </a:r>
-            <a:r>
-              <a:rPr lang="en-US" dirty="0"/>
-              <a:t> char *</a:t>
-            </a:r>
-            <a:r>
-              <a:rPr lang="en-US" dirty="0" err="1"/>
-              <a:t>cmd</a:t>
-            </a:r>
-            <a:r>
-              <a:rPr lang="en-US" dirty="0" smtClean="0"/>
-              <a:t>) works</a:t>
-            </a:r>
-            <a:endParaRPr lang="en-US" dirty="0">
-              <a:solidFill>
-                <a:srgbClr val="FF0000"/>
-              </a:solidFill>
-            </a:endParaRPr>
+              <a:rPr lang="en-US" dirty="0"/>
+              <a:t>Inheriting environment </a:t>
+            </a:r>
+            <a:r>
+              <a:rPr lang="en-US" dirty="0" smtClean="0"/>
+              <a:t>variables</a:t>
+            </a:r>
+            <a:endParaRPr lang="en-US" dirty="0"/>
           </a:p>
         </p:txBody>
       </p:sp>
@@ -6398,13 +6778,1404 @@
         <p:spPr/>
         <p:txBody>
           <a:bodyPr>
+            <a:normAutofit fontScale="85000" lnSpcReduction="20000"/>
+          </a:bodyPr>
+          <a:lstStyle/>
+          <a:p>
+            <a:r>
+              <a:rPr lang="en-US" dirty="0" smtClean="0"/>
+              <a:t>In Unix</a:t>
+            </a:r>
+            <a:r>
+              <a:rPr lang="en-US" dirty="0"/>
+              <a:t>, fork() creates a new process by duplicating the calling process. </a:t>
+            </a:r>
+            <a:endParaRPr lang="en-US" dirty="0" smtClean="0"/>
+          </a:p>
+          <a:p>
+            <a:pPr lvl="1"/>
+            <a:r>
+              <a:rPr lang="en-US" dirty="0"/>
+              <a:t>t</a:t>
+            </a:r>
+            <a:r>
+              <a:rPr lang="en-US" dirty="0" smtClean="0"/>
+              <a:t>he </a:t>
+            </a:r>
+            <a:r>
+              <a:rPr lang="en-US" dirty="0"/>
+              <a:t>new process, referred to as </a:t>
+            </a:r>
+            <a:r>
+              <a:rPr lang="en-US" dirty="0" smtClean="0"/>
+              <a:t>the child</a:t>
+            </a:r>
+            <a:r>
+              <a:rPr lang="en-US" dirty="0"/>
+              <a:t>, is an exact duplicate of the calling process, referred to as the parent; </a:t>
+            </a:r>
+            <a:endParaRPr lang="en-US" dirty="0" smtClean="0"/>
+          </a:p>
+          <a:p>
+            <a:pPr lvl="1"/>
+            <a:r>
+              <a:rPr lang="en-US" dirty="0" smtClean="0"/>
+              <a:t>however</a:t>
+            </a:r>
+            <a:r>
+              <a:rPr lang="en-US" dirty="0"/>
+              <a:t>, several things are </a:t>
+            </a:r>
+            <a:r>
+              <a:rPr lang="en-US" dirty="0" smtClean="0"/>
+              <a:t>not inherited </a:t>
+            </a:r>
+            <a:r>
+              <a:rPr lang="en-US" dirty="0"/>
+              <a:t>by the child (please see the manual of fork() by typing the following command: man fork).</a:t>
+            </a:r>
+          </a:p>
+          <a:p>
+            <a:r>
+              <a:rPr lang="en-US" dirty="0" smtClean="0"/>
+              <a:t>Parent’s </a:t>
+            </a:r>
+            <a:r>
+              <a:rPr lang="en-US" dirty="0"/>
+              <a:t>environment variables are inherited by the </a:t>
+            </a:r>
+            <a:r>
+              <a:rPr lang="en-US" dirty="0" smtClean="0"/>
+              <a:t>child process </a:t>
+            </a:r>
+            <a:r>
+              <a:rPr lang="en-US" dirty="0"/>
+              <a:t>(task 2</a:t>
+            </a:r>
+            <a:r>
+              <a:rPr lang="en-US" dirty="0" smtClean="0"/>
+              <a:t>)</a:t>
+            </a:r>
+          </a:p>
+          <a:p>
+            <a:r>
+              <a:rPr lang="en-US" dirty="0" smtClean="0"/>
+              <a:t>Command needed for the lab (task 2)</a:t>
+            </a:r>
+          </a:p>
+          <a:p>
+            <a:pPr lvl="1"/>
+            <a:r>
+              <a:rPr lang="en-US" dirty="0" err="1" smtClean="0"/>
+              <a:t>gcc</a:t>
+            </a:r>
+            <a:r>
+              <a:rPr lang="en-US" dirty="0" smtClean="0"/>
+              <a:t> –o </a:t>
+            </a:r>
+            <a:r>
+              <a:rPr lang="en-US" dirty="0" err="1" smtClean="0"/>
+              <a:t>envtest</a:t>
+            </a:r>
+            <a:r>
+              <a:rPr lang="en-US" dirty="0" smtClean="0"/>
+              <a:t> </a:t>
+            </a:r>
+            <a:r>
+              <a:rPr lang="en-US" dirty="0" err="1" smtClean="0"/>
+              <a:t>envtest.c</a:t>
+            </a:r>
+            <a:endParaRPr lang="en-US" dirty="0" smtClean="0"/>
+          </a:p>
+          <a:p>
+            <a:pPr lvl="1"/>
+            <a:r>
+              <a:rPr lang="en-US" dirty="0" smtClean="0"/>
+              <a:t>diff file1 and file2 //any difference between two files</a:t>
+            </a:r>
+            <a:endParaRPr lang="en-US" dirty="0"/>
+          </a:p>
+        </p:txBody>
+      </p:sp>
+    </p:spTree>
+    <p:extLst>
+      <p:ext uri="{BB962C8B-B14F-4D97-AF65-F5344CB8AC3E}">
+        <p14:creationId xmlns:p14="http://schemas.microsoft.com/office/powerpoint/2010/main" val="1941321781"/>
+      </p:ext>
+    </p:extLst>
+  </p:cSld>
+  <p:clrMapOvr>
+    <a:masterClrMapping/>
+  </p:clrMapOvr>
+</p:sld>
+</file>
+
+<file path=ppt/slides/slide25.xml><?xml version="1.0" encoding="utf-8"?>
+<p:sld xmlns:a="http://schemas.openxmlformats.org/drawingml/2006/main" xmlns:r="http://schemas.openxmlformats.org/officeDocument/2006/relationships" xmlns:p="http://schemas.openxmlformats.org/presentationml/2006/main">
+  <p:cSld>
+    <p:spTree>
+      <p:nvGrpSpPr>
+        <p:cNvPr id="1" name=""/>
+        <p:cNvGrpSpPr/>
+        <p:nvPr/>
+      </p:nvGrpSpPr>
+      <p:grpSpPr>
+        <a:xfrm>
+          <a:off x="0" y="0"/>
+          <a:ext cx="0" cy="0"/>
+          <a:chOff x="0" y="0"/>
+          <a:chExt cx="0" cy="0"/>
+        </a:xfrm>
+      </p:grpSpPr>
+      <p:sp>
+        <p:nvSpPr>
+          <p:cNvPr id="2" name="Title 1"/>
+          <p:cNvSpPr>
+            <a:spLocks noGrp="1"/>
+          </p:cNvSpPr>
+          <p:nvPr>
+            <p:ph type="title"/>
+          </p:nvPr>
+        </p:nvSpPr>
+        <p:spPr/>
+        <p:txBody>
+          <a:bodyPr>
+            <a:noAutofit/>
+          </a:bodyPr>
+          <a:lstStyle/>
+          <a:p>
+            <a:r>
+              <a:rPr lang="en-US" sz="3600" dirty="0" smtClean="0"/>
+              <a:t>Environment </a:t>
+            </a:r>
+            <a:r>
+              <a:rPr lang="en-US" sz="3600" dirty="0"/>
+              <a:t>variables are affected when a new program is executed via </a:t>
+            </a:r>
+            <a:r>
+              <a:rPr lang="en-US" sz="3600" dirty="0" err="1"/>
+              <a:t>execve</a:t>
+            </a:r>
+            <a:r>
+              <a:rPr lang="en-US" sz="3600" dirty="0"/>
+              <a:t>().</a:t>
+            </a:r>
+          </a:p>
+        </p:txBody>
+      </p:sp>
+      <p:sp>
+        <p:nvSpPr>
+          <p:cNvPr id="3" name="Content Placeholder 2"/>
+          <p:cNvSpPr>
+            <a:spLocks noGrp="1"/>
+          </p:cNvSpPr>
+          <p:nvPr>
+            <p:ph idx="1"/>
+          </p:nvPr>
+        </p:nvSpPr>
+        <p:spPr>
+          <a:xfrm>
+            <a:off x="488515" y="2590800"/>
+            <a:ext cx="8229600" cy="3306763"/>
+          </a:xfrm>
+        </p:spPr>
+        <p:txBody>
+          <a:bodyPr>
+            <a:normAutofit fontScale="92500" lnSpcReduction="20000"/>
+          </a:bodyPr>
+          <a:lstStyle/>
+          <a:p>
+            <a:endParaRPr lang="en-US" dirty="0" smtClean="0"/>
+          </a:p>
+          <a:p>
+            <a:r>
+              <a:rPr lang="en-US" dirty="0" smtClean="0"/>
+              <a:t>function </a:t>
+            </a:r>
+            <a:r>
+              <a:rPr lang="en-US" dirty="0" err="1"/>
+              <a:t>execve</a:t>
+            </a:r>
+            <a:r>
+              <a:rPr lang="en-US" dirty="0"/>
+              <a:t>() calls a system call to load a new command and execute it; </a:t>
+            </a:r>
+            <a:endParaRPr lang="en-US" dirty="0" smtClean="0"/>
+          </a:p>
+          <a:p>
+            <a:r>
+              <a:rPr lang="en-US" dirty="0" err="1" smtClean="0"/>
+              <a:t>execve</a:t>
+            </a:r>
+            <a:r>
+              <a:rPr lang="en-US" dirty="0"/>
+              <a:t>() runs the new program inside the calling process</a:t>
+            </a:r>
+            <a:r>
+              <a:rPr lang="en-US" dirty="0" smtClean="0"/>
+              <a:t>.</a:t>
+            </a:r>
+            <a:r>
+              <a:rPr lang="en-US" dirty="0"/>
+              <a:t> </a:t>
+            </a:r>
+            <a:endParaRPr lang="en-US" dirty="0" smtClean="0"/>
+          </a:p>
+          <a:p>
+            <a:pPr lvl="1"/>
+            <a:r>
+              <a:rPr lang="en-US" dirty="0" smtClean="0"/>
+              <a:t>No </a:t>
+            </a:r>
+            <a:r>
+              <a:rPr lang="en-US" dirty="0"/>
+              <a:t>new process is created; instead, the calling process’s text, data, </a:t>
+            </a:r>
+            <a:r>
+              <a:rPr lang="en-US" dirty="0" err="1"/>
+              <a:t>bss</a:t>
+            </a:r>
+            <a:r>
+              <a:rPr lang="en-US" dirty="0"/>
+              <a:t>, and stack are overwritten by that of the program loaded.</a:t>
+            </a:r>
+          </a:p>
+          <a:p>
+            <a:endParaRPr lang="en-US" dirty="0"/>
+          </a:p>
+        </p:txBody>
+      </p:sp>
+      <p:sp>
+        <p:nvSpPr>
+          <p:cNvPr id="6" name="Rectangle 1"/>
+          <p:cNvSpPr>
+            <a:spLocks noChangeArrowheads="1"/>
+          </p:cNvSpPr>
+          <p:nvPr/>
+        </p:nvSpPr>
+        <p:spPr bwMode="auto">
+          <a:xfrm>
+            <a:off x="685800" y="1428692"/>
+            <a:ext cx="7239000" cy="1077218"/>
+          </a:xfrm>
+          <a:prstGeom prst="rect">
+            <a:avLst/>
+          </a:prstGeom>
+          <a:noFill/>
+          <a:ln>
+            <a:noFill/>
+          </a:ln>
+          <a:effectLst/>
+          <a:extLst>
+            <a:ext uri="{909E8E84-426E-40DD-AFC4-6F175D3DCCD1}">
+              <a14:hiddenFill xmlns:a14="http://schemas.microsoft.com/office/drawing/2010/main">
+                <a:solidFill>
+                  <a:schemeClr val="accent1"/>
+                </a:solidFill>
+              </a14:hiddenFill>
+            </a:ext>
+            <a:ext uri="{91240B29-F687-4F45-9708-019B960494DF}">
+              <a14:hiddenLine xmlns:a14="http://schemas.microsoft.com/office/drawing/2010/main" w="9525">
+                <a:solidFill>
+                  <a:schemeClr val="tx1"/>
+                </a:solidFill>
+                <a:miter lim="800000"/>
+                <a:headEnd/>
+                <a:tailEnd/>
+              </a14:hiddenLine>
+            </a:ext>
+            <a:ext uri="{AF507438-7753-43E0-B8FC-AC1667EBCBE1}">
+              <a14:hiddenEffects xmlns:a14="http://schemas.microsoft.com/office/drawing/2010/main">
+                <a:effectLst>
+                  <a:outerShdw dist="35921" dir="2700000" algn="ctr" rotWithShape="0">
+                    <a:schemeClr val="bg2"/>
+                  </a:outerShdw>
+                </a:effectLst>
+              </a14:hiddenEffects>
+            </a:ext>
+          </a:extLst>
+        </p:spPr>
+        <p:txBody>
+          <a:bodyPr vert="horz" wrap="square" lIns="38088" tIns="45720" rIns="91440" bIns="45720" numCol="1" anchor="ctr" anchorCtr="0" compatLnSpc="1">
+            <a:prstTxWarp prst="textNoShape">
+              <a:avLst/>
+            </a:prstTxWarp>
+            <a:spAutoFit/>
+          </a:bodyPr>
+          <a:lstStyle/>
+          <a:p>
+            <a:pPr marL="0" marR="0" lvl="0" indent="0" algn="l" defTabSz="914400" rtl="0" eaLnBrk="0" fontAlgn="base" latinLnBrk="0" hangingPunct="0">
+              <a:lnSpc>
+                <a:spcPct val="100000"/>
+              </a:lnSpc>
+              <a:spcBef>
+                <a:spcPct val="0"/>
+              </a:spcBef>
+              <a:spcAft>
+                <a:spcPct val="0"/>
+              </a:spcAft>
+              <a:buClrTx/>
+              <a:buSzTx/>
+              <a:buFontTx/>
+              <a:buNone/>
+              <a:tabLst/>
+            </a:pPr>
+            <a:r>
+              <a:rPr kumimoji="0" lang="en-US" altLang="en-US" b="1" i="0" u="none" strike="noStrike" cap="none" normalizeH="0" baseline="0" dirty="0" err="1" smtClean="0">
+                <a:ln>
+                  <a:noFill/>
+                </a:ln>
+                <a:solidFill>
+                  <a:srgbClr val="502000"/>
+                </a:solidFill>
+                <a:effectLst/>
+                <a:latin typeface="Courier New" panose="02070309020205020404" pitchFamily="49" charset="0"/>
+              </a:rPr>
+              <a:t>int</a:t>
+            </a:r>
+            <a:r>
+              <a:rPr kumimoji="0" lang="en-US" altLang="en-US" b="1" i="0" u="none" strike="noStrike" cap="none" normalizeH="0" baseline="0" dirty="0" smtClean="0">
+                <a:ln>
+                  <a:noFill/>
+                </a:ln>
+                <a:solidFill>
+                  <a:srgbClr val="502000"/>
+                </a:solidFill>
+                <a:effectLst/>
+                <a:latin typeface="Courier New" panose="02070309020205020404" pitchFamily="49" charset="0"/>
+              </a:rPr>
+              <a:t> </a:t>
+            </a:r>
+            <a:r>
+              <a:rPr kumimoji="0" lang="en-US" altLang="en-US" b="1" i="0" u="none" strike="noStrike" cap="none" normalizeH="0" baseline="0" dirty="0" err="1" smtClean="0">
+                <a:ln>
+                  <a:noFill/>
+                </a:ln>
+                <a:solidFill>
+                  <a:srgbClr val="502000"/>
+                </a:solidFill>
+                <a:effectLst/>
+                <a:latin typeface="Courier New" panose="02070309020205020404" pitchFamily="49" charset="0"/>
+              </a:rPr>
+              <a:t>execve</a:t>
+            </a:r>
+            <a:r>
+              <a:rPr kumimoji="0" lang="en-US" altLang="en-US" b="1" i="0" u="none" strike="noStrike" cap="none" normalizeH="0" baseline="0" dirty="0" smtClean="0">
+                <a:ln>
+                  <a:noFill/>
+                </a:ln>
+                <a:solidFill>
+                  <a:srgbClr val="502000"/>
+                </a:solidFill>
+                <a:effectLst/>
+                <a:latin typeface="Courier New" panose="02070309020205020404" pitchFamily="49" charset="0"/>
+              </a:rPr>
+              <a:t>(</a:t>
+            </a:r>
+            <a:r>
+              <a:rPr kumimoji="0" lang="en-US" altLang="en-US" b="1" i="0" u="none" strike="noStrike" cap="none" normalizeH="0" baseline="0" dirty="0" err="1" smtClean="0">
+                <a:ln>
+                  <a:noFill/>
+                </a:ln>
+                <a:solidFill>
+                  <a:srgbClr val="502000"/>
+                </a:solidFill>
+                <a:effectLst/>
+                <a:latin typeface="Courier New" panose="02070309020205020404" pitchFamily="49" charset="0"/>
+              </a:rPr>
+              <a:t>const</a:t>
+            </a:r>
+            <a:r>
+              <a:rPr kumimoji="0" lang="en-US" altLang="en-US" b="1" i="0" u="none" strike="noStrike" cap="none" normalizeH="0" baseline="0" dirty="0" smtClean="0">
+                <a:ln>
+                  <a:noFill/>
+                </a:ln>
+                <a:solidFill>
+                  <a:srgbClr val="502000"/>
+                </a:solidFill>
+                <a:effectLst/>
+                <a:latin typeface="Courier New" panose="02070309020205020404" pitchFamily="49" charset="0"/>
+              </a:rPr>
+              <a:t> char *</a:t>
+            </a:r>
+            <a:r>
+              <a:rPr kumimoji="0" lang="en-US" altLang="en-US" b="0" i="1" u="none" strike="noStrike" cap="none" normalizeH="0" baseline="0" dirty="0" smtClean="0">
+                <a:ln>
+                  <a:noFill/>
+                </a:ln>
+                <a:solidFill>
+                  <a:srgbClr val="006000"/>
+                </a:solidFill>
+                <a:effectLst/>
+                <a:latin typeface="Courier New" panose="02070309020205020404" pitchFamily="49" charset="0"/>
+              </a:rPr>
+              <a:t>filename</a:t>
+            </a:r>
+            <a:r>
+              <a:rPr kumimoji="0" lang="en-US" altLang="en-US" b="1" i="0" u="none" strike="noStrike" cap="none" normalizeH="0" baseline="0" dirty="0" smtClean="0">
+                <a:ln>
+                  <a:noFill/>
+                </a:ln>
+                <a:solidFill>
+                  <a:srgbClr val="502000"/>
+                </a:solidFill>
+                <a:effectLst/>
+                <a:latin typeface="Courier New" panose="02070309020205020404" pitchFamily="49" charset="0"/>
+              </a:rPr>
+              <a:t>, char *</a:t>
+            </a:r>
+            <a:r>
+              <a:rPr kumimoji="0" lang="en-US" altLang="en-US" b="1" i="0" u="none" strike="noStrike" cap="none" normalizeH="0" baseline="0" dirty="0" err="1" smtClean="0">
+                <a:ln>
+                  <a:noFill/>
+                </a:ln>
+                <a:solidFill>
+                  <a:srgbClr val="502000"/>
+                </a:solidFill>
+                <a:effectLst/>
+                <a:latin typeface="Courier New" panose="02070309020205020404" pitchFamily="49" charset="0"/>
+              </a:rPr>
+              <a:t>const</a:t>
+            </a:r>
+            <a:r>
+              <a:rPr kumimoji="0" lang="en-US" altLang="en-US" b="1" i="0" u="none" strike="noStrike" cap="none" normalizeH="0" baseline="0" dirty="0" smtClean="0">
+                <a:ln>
+                  <a:noFill/>
+                </a:ln>
+                <a:solidFill>
+                  <a:srgbClr val="502000"/>
+                </a:solidFill>
+                <a:effectLst/>
+                <a:latin typeface="Courier New" panose="02070309020205020404" pitchFamily="49" charset="0"/>
+              </a:rPr>
+              <a:t> </a:t>
+            </a:r>
+            <a:r>
+              <a:rPr kumimoji="0" lang="en-US" altLang="en-US" b="0" i="1" u="none" strike="noStrike" cap="none" normalizeH="0" baseline="0" dirty="0" err="1" smtClean="0">
+                <a:ln>
+                  <a:noFill/>
+                </a:ln>
+                <a:solidFill>
+                  <a:srgbClr val="006000"/>
+                </a:solidFill>
+                <a:effectLst/>
+                <a:latin typeface="Courier New" panose="02070309020205020404" pitchFamily="49" charset="0"/>
+              </a:rPr>
+              <a:t>argv</a:t>
+            </a:r>
+            <a:r>
+              <a:rPr kumimoji="0" lang="en-US" altLang="en-US" b="1" i="0" u="none" strike="noStrike" cap="none" normalizeH="0" baseline="0" dirty="0" smtClean="0">
+                <a:ln>
+                  <a:noFill/>
+                </a:ln>
+                <a:solidFill>
+                  <a:srgbClr val="502000"/>
+                </a:solidFill>
+                <a:effectLst/>
+                <a:latin typeface="Courier New" panose="02070309020205020404" pitchFamily="49" charset="0"/>
+              </a:rPr>
+              <a:t>[],</a:t>
+            </a:r>
+            <a:r>
+              <a:rPr kumimoji="0" lang="en-US" altLang="en-US" b="0" i="0" u="none" strike="noStrike" cap="none" normalizeH="0" baseline="0" dirty="0" smtClean="0">
+                <a:ln>
+                  <a:noFill/>
+                </a:ln>
+                <a:solidFill>
+                  <a:srgbClr val="181818"/>
+                </a:solidFill>
+                <a:effectLst/>
+                <a:latin typeface="Courier New" panose="02070309020205020404" pitchFamily="49" charset="0"/>
+              </a:rPr>
+              <a:t> </a:t>
+            </a:r>
+            <a:r>
+              <a:rPr kumimoji="0" lang="en-US" altLang="en-US" b="1" i="0" u="none" strike="noStrike" cap="none" normalizeH="0" baseline="0" dirty="0" smtClean="0">
+                <a:ln>
+                  <a:noFill/>
+                </a:ln>
+                <a:solidFill>
+                  <a:srgbClr val="502000"/>
+                </a:solidFill>
+                <a:effectLst/>
+                <a:latin typeface="Courier New" panose="02070309020205020404" pitchFamily="49" charset="0"/>
+              </a:rPr>
+              <a:t>char *</a:t>
+            </a:r>
+            <a:r>
+              <a:rPr kumimoji="0" lang="en-US" altLang="en-US" b="1" i="0" u="none" strike="noStrike" cap="none" normalizeH="0" baseline="0" dirty="0" err="1" smtClean="0">
+                <a:ln>
+                  <a:noFill/>
+                </a:ln>
+                <a:solidFill>
+                  <a:srgbClr val="502000"/>
+                </a:solidFill>
+                <a:effectLst/>
+                <a:latin typeface="Courier New" panose="02070309020205020404" pitchFamily="49" charset="0"/>
+              </a:rPr>
+              <a:t>const</a:t>
+            </a:r>
+            <a:r>
+              <a:rPr kumimoji="0" lang="en-US" altLang="en-US" b="1" i="0" u="none" strike="noStrike" cap="none" normalizeH="0" baseline="0" dirty="0" smtClean="0">
+                <a:ln>
+                  <a:noFill/>
+                </a:ln>
+                <a:solidFill>
+                  <a:srgbClr val="502000"/>
+                </a:solidFill>
+                <a:effectLst/>
+                <a:latin typeface="Courier New" panose="02070309020205020404" pitchFamily="49" charset="0"/>
+              </a:rPr>
+              <a:t> </a:t>
+            </a:r>
+            <a:r>
+              <a:rPr kumimoji="0" lang="en-US" altLang="en-US" b="0" i="1" u="none" strike="noStrike" cap="none" normalizeH="0" baseline="0" dirty="0" err="1" smtClean="0">
+                <a:ln>
+                  <a:noFill/>
+                </a:ln>
+                <a:solidFill>
+                  <a:srgbClr val="006000"/>
+                </a:solidFill>
+                <a:effectLst/>
+                <a:latin typeface="Courier New" panose="02070309020205020404" pitchFamily="49" charset="0"/>
+              </a:rPr>
+              <a:t>envp</a:t>
+            </a:r>
+            <a:r>
+              <a:rPr kumimoji="0" lang="en-US" altLang="en-US" b="1" i="0" u="none" strike="noStrike" cap="none" normalizeH="0" baseline="0" dirty="0" smtClean="0">
+                <a:ln>
+                  <a:noFill/>
+                </a:ln>
+                <a:solidFill>
+                  <a:srgbClr val="502000"/>
+                </a:solidFill>
+                <a:effectLst/>
+                <a:latin typeface="Courier New" panose="02070309020205020404" pitchFamily="49" charset="0"/>
+              </a:rPr>
+              <a:t>[]);</a:t>
+            </a:r>
+            <a:r>
+              <a:rPr kumimoji="0" lang="en-US" altLang="en-US" sz="900" b="0" i="0" u="none" strike="noStrike" cap="none" normalizeH="0" baseline="0" dirty="0" smtClean="0">
+                <a:ln>
+                  <a:noFill/>
+                </a:ln>
+                <a:solidFill>
+                  <a:schemeClr val="tx1"/>
+                </a:solidFill>
+                <a:effectLst/>
+              </a:rPr>
+              <a:t> </a:t>
+            </a:r>
+          </a:p>
+          <a:p>
+            <a:pPr marL="0" marR="0" lvl="0" indent="0" algn="l" defTabSz="914400" rtl="0" eaLnBrk="0" fontAlgn="base" latinLnBrk="0" hangingPunct="0">
+              <a:lnSpc>
+                <a:spcPct val="100000"/>
+              </a:lnSpc>
+              <a:spcBef>
+                <a:spcPct val="0"/>
+              </a:spcBef>
+              <a:spcAft>
+                <a:spcPct val="0"/>
+              </a:spcAft>
+              <a:buClrTx/>
+              <a:buSzTx/>
+              <a:buFontTx/>
+              <a:buNone/>
+              <a:tabLst/>
+            </a:pPr>
+            <a:endParaRPr kumimoji="0" lang="en-US" altLang="en-US" sz="2800" b="0" i="0" u="none" strike="noStrike" cap="none" normalizeH="0" baseline="0" dirty="0" smtClean="0">
+              <a:ln>
+                <a:noFill/>
+              </a:ln>
+              <a:solidFill>
+                <a:schemeClr val="tx1"/>
+              </a:solidFill>
+              <a:effectLst/>
+              <a:latin typeface="Arial" panose="020B0604020202020204" pitchFamily="34" charset="0"/>
+            </a:endParaRPr>
+          </a:p>
+        </p:txBody>
+      </p:sp>
+      <p:sp>
+        <p:nvSpPr>
+          <p:cNvPr id="7" name="Rectangle 2"/>
+          <p:cNvSpPr>
+            <a:spLocks noChangeArrowheads="1"/>
+          </p:cNvSpPr>
+          <p:nvPr/>
+        </p:nvSpPr>
+        <p:spPr bwMode="auto">
+          <a:xfrm>
+            <a:off x="686844" y="2333655"/>
+            <a:ext cx="3580356" cy="276999"/>
+          </a:xfrm>
+          <a:prstGeom prst="rect">
+            <a:avLst/>
+          </a:prstGeom>
+          <a:noFill/>
+          <a:ln>
+            <a:noFill/>
+          </a:ln>
+          <a:effectLst/>
+          <a:extLst>
+            <a:ext uri="{909E8E84-426E-40DD-AFC4-6F175D3DCCD1}">
+              <a14:hiddenFill xmlns:a14="http://schemas.microsoft.com/office/drawing/2010/main">
+                <a:solidFill>
+                  <a:schemeClr val="accent1"/>
+                </a:solidFill>
+              </a14:hiddenFill>
+            </a:ext>
+            <a:ext uri="{91240B29-F687-4F45-9708-019B960494DF}">
+              <a14:hiddenLine xmlns:a14="http://schemas.microsoft.com/office/drawing/2010/main" w="9525">
+                <a:solidFill>
+                  <a:schemeClr val="tx1"/>
+                </a:solidFill>
+                <a:miter lim="800000"/>
+                <a:headEnd/>
+                <a:tailEnd/>
+              </a14:hiddenLine>
+            </a:ext>
+            <a:ext uri="{AF507438-7753-43E0-B8FC-AC1667EBCBE1}">
+              <a14:hiddenEffects xmlns:a14="http://schemas.microsoft.com/office/drawing/2010/main">
+                <a:effectLst>
+                  <a:outerShdw dist="35921" dir="2700000" algn="ctr" rotWithShape="0">
+                    <a:schemeClr val="bg2"/>
+                  </a:outerShdw>
+                </a:effectLst>
+              </a14:hiddenEffects>
+            </a:ext>
+          </a:extLst>
+        </p:spPr>
+        <p:txBody>
+          <a:bodyPr vert="horz" wrap="square" lIns="38088" tIns="45720" rIns="91440" bIns="45720" numCol="1" anchor="ctr" anchorCtr="0" compatLnSpc="1">
+            <a:prstTxWarp prst="textNoShape">
+              <a:avLst/>
+            </a:prstTxWarp>
+            <a:spAutoFit/>
+          </a:bodyPr>
+          <a:lstStyle/>
+          <a:p>
+            <a:pPr marL="0" marR="0" lvl="0" indent="0" algn="l" defTabSz="914400" rtl="0" eaLnBrk="0" fontAlgn="base" latinLnBrk="0" hangingPunct="0">
+              <a:lnSpc>
+                <a:spcPct val="100000"/>
+              </a:lnSpc>
+              <a:spcBef>
+                <a:spcPct val="0"/>
+              </a:spcBef>
+              <a:spcAft>
+                <a:spcPct val="0"/>
+              </a:spcAft>
+              <a:buClrTx/>
+              <a:buSzTx/>
+              <a:buFontTx/>
+              <a:buNone/>
+              <a:tabLst/>
+            </a:pPr>
+            <a:r>
+              <a:rPr kumimoji="0" lang="en-US" altLang="en-US" sz="1200" b="0" i="1" u="none" strike="noStrike" cap="none" normalizeH="0" baseline="0" dirty="0" err="1" smtClean="0">
+                <a:ln>
+                  <a:noFill/>
+                </a:ln>
+                <a:solidFill>
+                  <a:srgbClr val="006000"/>
+                </a:solidFill>
+                <a:effectLst/>
+                <a:latin typeface="Courier New" panose="02070309020205020404" pitchFamily="49" charset="0"/>
+                <a:cs typeface="Courier New" panose="02070309020205020404" pitchFamily="49" charset="0"/>
+              </a:rPr>
+              <a:t>envp</a:t>
+            </a:r>
+            <a:r>
+              <a:rPr kumimoji="0" lang="en-US" altLang="en-US" sz="1200" b="0" i="0" u="none" strike="noStrike" cap="none" normalizeH="0" baseline="0" dirty="0" smtClean="0">
+                <a:ln>
+                  <a:noFill/>
+                </a:ln>
+                <a:solidFill>
+                  <a:srgbClr val="181818"/>
+                </a:solidFill>
+                <a:effectLst/>
+                <a:latin typeface="Courier New" panose="02070309020205020404" pitchFamily="49" charset="0"/>
+                <a:cs typeface="Courier New" panose="02070309020205020404" pitchFamily="49" charset="0"/>
+              </a:rPr>
+              <a:t> is an array of strings</a:t>
+            </a:r>
+            <a:r>
+              <a:rPr kumimoji="0" lang="en-US" altLang="en-US" sz="600" b="0" i="0" u="none" strike="noStrike" cap="none" normalizeH="0" baseline="0" dirty="0" smtClean="0">
+                <a:ln>
+                  <a:noFill/>
+                </a:ln>
+                <a:solidFill>
+                  <a:schemeClr val="tx1"/>
+                </a:solidFill>
+                <a:effectLst/>
+              </a:rPr>
+              <a:t> </a:t>
+            </a:r>
+            <a:endParaRPr kumimoji="0" lang="en-US" altLang="en-US" sz="1800" b="0" i="0" u="none" strike="noStrike" cap="none" normalizeH="0" baseline="0" dirty="0" smtClean="0">
+              <a:ln>
+                <a:noFill/>
+              </a:ln>
+              <a:solidFill>
+                <a:schemeClr val="tx1"/>
+              </a:solidFill>
+              <a:effectLst/>
+              <a:latin typeface="Arial" panose="020B0604020202020204" pitchFamily="34" charset="0"/>
+            </a:endParaRPr>
+          </a:p>
+        </p:txBody>
+      </p:sp>
+    </p:spTree>
+    <p:extLst>
+      <p:ext uri="{BB962C8B-B14F-4D97-AF65-F5344CB8AC3E}">
+        <p14:creationId xmlns:p14="http://schemas.microsoft.com/office/powerpoint/2010/main" val="1117304033"/>
+      </p:ext>
+    </p:extLst>
+  </p:cSld>
+  <p:clrMapOvr>
+    <a:masterClrMapping/>
+  </p:clrMapOvr>
+</p:sld>
+</file>
+
+<file path=ppt/slides/slide26.xml><?xml version="1.0" encoding="utf-8"?>
+<p:sld xmlns:a="http://schemas.openxmlformats.org/drawingml/2006/main" xmlns:r="http://schemas.openxmlformats.org/officeDocument/2006/relationships" xmlns:p="http://schemas.openxmlformats.org/presentationml/2006/main">
+  <p:cSld>
+    <p:spTree>
+      <p:nvGrpSpPr>
+        <p:cNvPr id="1" name=""/>
+        <p:cNvGrpSpPr/>
+        <p:nvPr/>
+      </p:nvGrpSpPr>
+      <p:grpSpPr>
+        <a:xfrm>
+          <a:off x="0" y="0"/>
+          <a:ext cx="0" cy="0"/>
+          <a:chOff x="0" y="0"/>
+          <a:chExt cx="0" cy="0"/>
+        </a:xfrm>
+      </p:grpSpPr>
+      <p:sp>
+        <p:nvSpPr>
+          <p:cNvPr id="4" name="Title 3"/>
+          <p:cNvSpPr>
+            <a:spLocks noGrp="1"/>
+          </p:cNvSpPr>
+          <p:nvPr>
+            <p:ph type="title"/>
+          </p:nvPr>
+        </p:nvSpPr>
+        <p:spPr/>
+        <p:txBody>
+          <a:bodyPr/>
+          <a:lstStyle/>
+          <a:p>
+            <a:r>
+              <a:rPr lang="en-US" dirty="0" smtClean="0"/>
+              <a:t>Example of </a:t>
+            </a:r>
+            <a:r>
+              <a:rPr lang="en-US" dirty="0" err="1" smtClean="0"/>
+              <a:t>execve</a:t>
+            </a:r>
+            <a:r>
+              <a:rPr lang="en-US" dirty="0" smtClean="0"/>
+              <a:t>()</a:t>
+            </a:r>
+            <a:endParaRPr lang="en-US" dirty="0"/>
+          </a:p>
+        </p:txBody>
+      </p:sp>
+      <p:pic>
+        <p:nvPicPr>
+          <p:cNvPr id="5" name="Picture 4"/>
+          <p:cNvPicPr>
+            <a:picLocks noChangeAspect="1"/>
+          </p:cNvPicPr>
+          <p:nvPr/>
+        </p:nvPicPr>
+        <p:blipFill>
+          <a:blip r:embed="rId2"/>
+          <a:stretch>
+            <a:fillRect/>
+          </a:stretch>
+        </p:blipFill>
+        <p:spPr>
+          <a:xfrm>
+            <a:off x="727736" y="1143000"/>
+            <a:ext cx="7688527" cy="3810000"/>
+          </a:xfrm>
+          <a:prstGeom prst="rect">
+            <a:avLst/>
+          </a:prstGeom>
+        </p:spPr>
+      </p:pic>
+      <p:sp>
+        <p:nvSpPr>
+          <p:cNvPr id="6" name="Rectangle 5"/>
+          <p:cNvSpPr/>
+          <p:nvPr/>
+        </p:nvSpPr>
+        <p:spPr>
+          <a:xfrm>
+            <a:off x="727736" y="5134212"/>
+            <a:ext cx="8076763" cy="923330"/>
+          </a:xfrm>
+          <a:prstGeom prst="rect">
+            <a:avLst/>
+          </a:prstGeom>
+        </p:spPr>
+        <p:txBody>
+          <a:bodyPr wrap="none">
+            <a:spAutoFit/>
+          </a:bodyPr>
+          <a:lstStyle/>
+          <a:p>
+            <a:r>
+              <a:rPr lang="en-US" dirty="0" smtClean="0">
+                <a:latin typeface="NimbusMonL-Regu"/>
+              </a:rPr>
+              <a:t>Compare difference with following:</a:t>
+            </a:r>
+          </a:p>
+          <a:p>
+            <a:r>
+              <a:rPr lang="en-US" dirty="0" err="1" smtClean="0">
+                <a:latin typeface="NimbusMonL-Regu"/>
+              </a:rPr>
+              <a:t>execve</a:t>
+            </a:r>
+            <a:r>
+              <a:rPr lang="en-US" dirty="0">
+                <a:latin typeface="NimbusMonL-Regu"/>
+              </a:rPr>
+              <a:t>("/</a:t>
+            </a:r>
+            <a:r>
+              <a:rPr lang="en-US" dirty="0" err="1">
+                <a:latin typeface="NimbusMonL-Regu"/>
+              </a:rPr>
+              <a:t>usr</a:t>
+            </a:r>
+            <a:r>
+              <a:rPr lang="en-US" dirty="0">
+                <a:latin typeface="NimbusMonL-Regu"/>
+              </a:rPr>
+              <a:t>/bin/</a:t>
+            </a:r>
+            <a:r>
+              <a:rPr lang="en-US" dirty="0" err="1">
+                <a:latin typeface="NimbusMonL-Regu"/>
+              </a:rPr>
+              <a:t>env</a:t>
+            </a:r>
+            <a:r>
+              <a:rPr lang="en-US" dirty="0">
+                <a:latin typeface="NimbusMonL-Regu"/>
+              </a:rPr>
+              <a:t>", </a:t>
+            </a:r>
+            <a:r>
+              <a:rPr lang="en-US" dirty="0" err="1">
+                <a:latin typeface="NimbusMonL-Regu"/>
+              </a:rPr>
+              <a:t>argv</a:t>
+            </a:r>
+            <a:r>
+              <a:rPr lang="en-US" dirty="0">
+                <a:latin typeface="NimbusMonL-Regu"/>
+              </a:rPr>
+              <a:t>, environ</a:t>
+            </a:r>
+            <a:r>
+              <a:rPr lang="en-US" dirty="0" smtClean="0">
+                <a:latin typeface="NimbusMonL-Regu"/>
+              </a:rPr>
+              <a:t>);//environ is a globe environment variable</a:t>
+            </a:r>
+          </a:p>
+          <a:p>
+            <a:r>
+              <a:rPr lang="en-US" dirty="0" smtClean="0">
+                <a:solidFill>
+                  <a:srgbClr val="FF0000"/>
+                </a:solidFill>
+                <a:latin typeface="NimbusMonL-Regu"/>
+              </a:rPr>
+              <a:t>You can inherit the environment variables or specify your own</a:t>
+            </a:r>
+            <a:endParaRPr lang="en-US" dirty="0">
+              <a:solidFill>
+                <a:srgbClr val="FF0000"/>
+              </a:solidFill>
+            </a:endParaRPr>
+          </a:p>
+        </p:txBody>
+      </p:sp>
+    </p:spTree>
+    <p:extLst>
+      <p:ext uri="{BB962C8B-B14F-4D97-AF65-F5344CB8AC3E}">
+        <p14:creationId xmlns:p14="http://schemas.microsoft.com/office/powerpoint/2010/main" val="323754129"/>
+      </p:ext>
+    </p:extLst>
+  </p:cSld>
+  <p:clrMapOvr>
+    <a:masterClrMapping/>
+  </p:clrMapOvr>
+</p:sld>
+</file>
+
+<file path=ppt/slides/slide27.xml><?xml version="1.0" encoding="utf-8"?>
+<p:sld xmlns:a="http://schemas.openxmlformats.org/drawingml/2006/main" xmlns:r="http://schemas.openxmlformats.org/officeDocument/2006/relationships" xmlns:p="http://schemas.openxmlformats.org/presentationml/2006/main">
+  <p:cSld>
+    <p:spTree>
+      <p:nvGrpSpPr>
+        <p:cNvPr id="1" name=""/>
+        <p:cNvGrpSpPr/>
+        <p:nvPr/>
+      </p:nvGrpSpPr>
+      <p:grpSpPr>
+        <a:xfrm>
+          <a:off x="0" y="0"/>
+          <a:ext cx="0" cy="0"/>
+          <a:chOff x="0" y="0"/>
+          <a:chExt cx="0" cy="0"/>
+        </a:xfrm>
+      </p:grpSpPr>
+      <p:sp>
+        <p:nvSpPr>
+          <p:cNvPr id="3" name="Title 2"/>
+          <p:cNvSpPr>
+            <a:spLocks noGrp="1"/>
+          </p:cNvSpPr>
+          <p:nvPr>
+            <p:ph type="title"/>
+          </p:nvPr>
+        </p:nvSpPr>
+        <p:spPr/>
+        <p:txBody>
+          <a:bodyPr>
+            <a:normAutofit/>
+          </a:bodyPr>
+          <a:lstStyle/>
+          <a:p>
+            <a:r>
+              <a:rPr lang="en-US" sz="3100" dirty="0" smtClean="0"/>
+              <a:t>Risk of </a:t>
+            </a:r>
+            <a:r>
+              <a:rPr lang="en-US" altLang="en-US" sz="3100" b="1" dirty="0" err="1">
+                <a:solidFill>
+                  <a:srgbClr val="502000"/>
+                </a:solidFill>
+                <a:latin typeface="Courier New" panose="02070309020205020404" pitchFamily="49" charset="0"/>
+              </a:rPr>
+              <a:t>execve</a:t>
+            </a:r>
+            <a:r>
+              <a:rPr lang="en-US" altLang="en-US" sz="3100" b="1" dirty="0">
+                <a:solidFill>
+                  <a:srgbClr val="502000"/>
+                </a:solidFill>
+                <a:latin typeface="Courier New" panose="02070309020205020404" pitchFamily="49" charset="0"/>
+              </a:rPr>
+              <a:t>(</a:t>
+            </a:r>
+            <a:r>
+              <a:rPr lang="en-US" altLang="en-US" sz="3100" b="1" dirty="0" err="1">
+                <a:solidFill>
+                  <a:srgbClr val="502000"/>
+                </a:solidFill>
+                <a:latin typeface="Courier New" panose="02070309020205020404" pitchFamily="49" charset="0"/>
+              </a:rPr>
+              <a:t>const</a:t>
+            </a:r>
+            <a:r>
+              <a:rPr lang="en-US" altLang="en-US" sz="3100" b="1" dirty="0">
+                <a:solidFill>
+                  <a:srgbClr val="502000"/>
+                </a:solidFill>
+                <a:latin typeface="Courier New" panose="02070309020205020404" pitchFamily="49" charset="0"/>
+              </a:rPr>
+              <a:t> char *</a:t>
+            </a:r>
+            <a:r>
+              <a:rPr lang="en-US" altLang="en-US" sz="3100" i="1" dirty="0" smtClean="0">
+                <a:solidFill>
+                  <a:srgbClr val="006000"/>
+                </a:solidFill>
+                <a:latin typeface="Courier New" panose="02070309020205020404" pitchFamily="49" charset="0"/>
+              </a:rPr>
+              <a:t>filename…</a:t>
+            </a:r>
+            <a:r>
+              <a:rPr lang="en-US" altLang="en-US" sz="3100" b="1" dirty="0">
+                <a:solidFill>
+                  <a:srgbClr val="502000"/>
+                </a:solidFill>
+                <a:latin typeface="Courier New" panose="02070309020205020404" pitchFamily="49" charset="0"/>
+              </a:rPr>
+              <a:t>, </a:t>
+            </a:r>
+            <a:r>
+              <a:rPr lang="en-US" altLang="en-US" sz="3100" b="1" dirty="0" smtClean="0">
+                <a:solidFill>
+                  <a:srgbClr val="502000"/>
+                </a:solidFill>
+                <a:latin typeface="Courier New" panose="02070309020205020404" pitchFamily="49" charset="0"/>
+              </a:rPr>
+              <a:t>…, char </a:t>
+            </a:r>
+            <a:r>
+              <a:rPr lang="en-US" altLang="en-US" sz="3100" b="1" dirty="0">
+                <a:solidFill>
+                  <a:srgbClr val="502000"/>
+                </a:solidFill>
+                <a:latin typeface="Courier New" panose="02070309020205020404" pitchFamily="49" charset="0"/>
+              </a:rPr>
+              <a:t>*</a:t>
+            </a:r>
+            <a:r>
+              <a:rPr lang="en-US" altLang="en-US" sz="3100" b="1" dirty="0" err="1">
+                <a:solidFill>
+                  <a:srgbClr val="502000"/>
+                </a:solidFill>
+                <a:latin typeface="Courier New" panose="02070309020205020404" pitchFamily="49" charset="0"/>
+              </a:rPr>
+              <a:t>const</a:t>
+            </a:r>
+            <a:r>
+              <a:rPr lang="en-US" altLang="en-US" sz="3100" b="1" dirty="0">
+                <a:solidFill>
+                  <a:srgbClr val="502000"/>
+                </a:solidFill>
+                <a:latin typeface="Courier New" panose="02070309020205020404" pitchFamily="49" charset="0"/>
+              </a:rPr>
+              <a:t> </a:t>
+            </a:r>
+            <a:r>
+              <a:rPr lang="en-US" altLang="en-US" sz="3100" i="1" dirty="0" err="1">
+                <a:solidFill>
+                  <a:srgbClr val="006000"/>
+                </a:solidFill>
+                <a:latin typeface="Courier New" panose="02070309020205020404" pitchFamily="49" charset="0"/>
+              </a:rPr>
+              <a:t>envp</a:t>
+            </a:r>
+            <a:r>
+              <a:rPr lang="en-US" altLang="en-US" sz="3100" b="1" dirty="0">
+                <a:solidFill>
+                  <a:srgbClr val="502000"/>
+                </a:solidFill>
+                <a:latin typeface="Courier New" panose="02070309020205020404" pitchFamily="49" charset="0"/>
+              </a:rPr>
+              <a:t>[]</a:t>
+            </a:r>
+            <a:r>
+              <a:rPr lang="en-US" altLang="en-US" sz="3100" i="1" dirty="0" smtClean="0">
+                <a:solidFill>
+                  <a:srgbClr val="006000"/>
+                </a:solidFill>
+                <a:latin typeface="Courier New" panose="02070309020205020404" pitchFamily="49" charset="0"/>
+              </a:rPr>
+              <a:t>)</a:t>
+            </a:r>
+            <a:endParaRPr lang="en-US" dirty="0"/>
+          </a:p>
+        </p:txBody>
+      </p:sp>
+      <p:sp>
+        <p:nvSpPr>
+          <p:cNvPr id="4" name="Content Placeholder 3"/>
+          <p:cNvSpPr>
+            <a:spLocks noGrp="1"/>
+          </p:cNvSpPr>
+          <p:nvPr>
+            <p:ph idx="1"/>
+          </p:nvPr>
+        </p:nvSpPr>
+        <p:spPr/>
+        <p:txBody>
+          <a:bodyPr>
+            <a:normAutofit/>
+          </a:bodyPr>
+          <a:lstStyle/>
+          <a:p>
+            <a:r>
+              <a:rPr lang="en-US" dirty="0"/>
+              <a:t>If the set-user-ID bit is set on the </a:t>
+            </a:r>
+            <a:r>
+              <a:rPr lang="en-US" dirty="0" smtClean="0"/>
+              <a:t>program file </a:t>
+            </a:r>
+            <a:r>
+              <a:rPr lang="en-US" dirty="0"/>
+              <a:t>pointed to </a:t>
+            </a:r>
+            <a:r>
+              <a:rPr lang="en-US" dirty="0" smtClean="0"/>
+              <a:t>by </a:t>
+            </a:r>
+            <a:r>
+              <a:rPr lang="en-US" sz="4000" i="1" dirty="0">
+                <a:solidFill>
+                  <a:srgbClr val="006000"/>
+                </a:solidFill>
+                <a:latin typeface="Courier New" panose="02070309020205020404" pitchFamily="49" charset="0"/>
+                <a:ea typeface="+mj-ea"/>
+                <a:cs typeface="+mj-cs"/>
+              </a:rPr>
+              <a:t>filename</a:t>
+            </a:r>
+            <a:r>
+              <a:rPr lang="en-US" dirty="0"/>
+              <a:t>, </a:t>
+            </a:r>
+          </a:p>
+          <a:p>
+            <a:pPr lvl="1"/>
+            <a:r>
+              <a:rPr lang="en-US" dirty="0" smtClean="0"/>
+              <a:t>the </a:t>
+            </a:r>
+            <a:r>
+              <a:rPr lang="en-US" dirty="0"/>
+              <a:t>effective user ID of the calling process is </a:t>
+            </a:r>
+            <a:r>
+              <a:rPr lang="en-US" dirty="0" smtClean="0"/>
+              <a:t>changed to </a:t>
+            </a:r>
+            <a:r>
+              <a:rPr lang="en-US" dirty="0"/>
+              <a:t>that of the owner of the program file. </a:t>
+            </a:r>
+          </a:p>
+        </p:txBody>
+      </p:sp>
+    </p:spTree>
+    <p:extLst>
+      <p:ext uri="{BB962C8B-B14F-4D97-AF65-F5344CB8AC3E}">
+        <p14:creationId xmlns:p14="http://schemas.microsoft.com/office/powerpoint/2010/main" val="4145632733"/>
+      </p:ext>
+    </p:extLst>
+  </p:cSld>
+  <p:clrMapOvr>
+    <a:masterClrMapping/>
+  </p:clrMapOvr>
+</p:sld>
+</file>
+
+<file path=ppt/slides/slide28.xml><?xml version="1.0" encoding="utf-8"?>
+<p:sld xmlns:a="http://schemas.openxmlformats.org/drawingml/2006/main" xmlns:r="http://schemas.openxmlformats.org/officeDocument/2006/relationships" xmlns:p="http://schemas.openxmlformats.org/presentationml/2006/main">
+  <p:cSld>
+    <p:spTree>
+      <p:nvGrpSpPr>
+        <p:cNvPr id="1" name=""/>
+        <p:cNvGrpSpPr/>
+        <p:nvPr/>
+      </p:nvGrpSpPr>
+      <p:grpSpPr>
+        <a:xfrm>
+          <a:off x="0" y="0"/>
+          <a:ext cx="0" cy="0"/>
+          <a:chOff x="0" y="0"/>
+          <a:chExt cx="0" cy="0"/>
+        </a:xfrm>
+      </p:grpSpPr>
+      <p:sp>
+        <p:nvSpPr>
+          <p:cNvPr id="2" name="Title 1"/>
+          <p:cNvSpPr>
+            <a:spLocks noGrp="1"/>
+          </p:cNvSpPr>
+          <p:nvPr>
+            <p:ph type="title"/>
+          </p:nvPr>
+        </p:nvSpPr>
+        <p:spPr/>
+        <p:txBody>
+          <a:bodyPr/>
+          <a:lstStyle/>
+          <a:p>
+            <a:r>
+              <a:rPr lang="en-US" dirty="0"/>
+              <a:t>system (</a:t>
+            </a:r>
+            <a:r>
+              <a:rPr lang="en-US" dirty="0" err="1"/>
+              <a:t>const</a:t>
+            </a:r>
+            <a:r>
+              <a:rPr lang="en-US" dirty="0"/>
+              <a:t> char *</a:t>
+            </a:r>
+            <a:r>
+              <a:rPr lang="en-US" dirty="0" err="1"/>
+              <a:t>cmd</a:t>
+            </a:r>
+            <a:r>
+              <a:rPr lang="en-US" dirty="0"/>
+              <a:t>)</a:t>
+            </a:r>
+          </a:p>
+        </p:txBody>
+      </p:sp>
+      <p:sp>
+        <p:nvSpPr>
+          <p:cNvPr id="3" name="Content Placeholder 2"/>
+          <p:cNvSpPr>
+            <a:spLocks noGrp="1"/>
+          </p:cNvSpPr>
+          <p:nvPr>
+            <p:ph idx="1"/>
+          </p:nvPr>
+        </p:nvSpPr>
+        <p:spPr/>
+        <p:txBody>
+          <a:bodyPr>
             <a:normAutofit fontScale="92500" lnSpcReduction="10000"/>
           </a:bodyPr>
           <a:lstStyle/>
           <a:p>
             <a:r>
-              <a:rPr lang="en-US" dirty="0" smtClean="0"/>
-              <a:t>system </a:t>
+              <a:rPr lang="en-US" altLang="en-US" b="1" dirty="0" err="1" smtClean="0">
+                <a:solidFill>
+                  <a:srgbClr val="502000"/>
+                </a:solidFill>
+                <a:latin typeface="Courier New" panose="02070309020205020404" pitchFamily="49" charset="0"/>
+              </a:rPr>
+              <a:t>execve</a:t>
+            </a:r>
+            <a:r>
+              <a:rPr lang="en-US" altLang="en-US" b="1" dirty="0" smtClean="0">
+                <a:solidFill>
+                  <a:srgbClr val="502000"/>
+                </a:solidFill>
+                <a:latin typeface="Courier New" panose="02070309020205020404" pitchFamily="49" charset="0"/>
+              </a:rPr>
+              <a:t>() and system()</a:t>
+            </a:r>
+          </a:p>
+          <a:p>
+            <a:pPr lvl="1"/>
+            <a:r>
+              <a:rPr lang="en-US" b="1" dirty="0" smtClean="0">
+                <a:solidFill>
+                  <a:srgbClr val="502000"/>
+                </a:solidFill>
+                <a:latin typeface="Courier New" panose="02070309020205020404" pitchFamily="49" charset="0"/>
+              </a:rPr>
+              <a:t>Both execute files (command)</a:t>
+            </a:r>
+            <a:endParaRPr lang="en-US" dirty="0" smtClean="0"/>
+          </a:p>
+          <a:p>
+            <a:r>
+              <a:rPr lang="en-US" dirty="0" smtClean="0"/>
+              <a:t>Of </a:t>
+            </a:r>
+            <a:r>
+              <a:rPr lang="en-US" dirty="0"/>
+              <a:t>course both are dangerous </a:t>
+            </a:r>
+            <a:endParaRPr lang="en-US" dirty="0" smtClean="0"/>
+          </a:p>
+          <a:p>
+            <a:pPr lvl="1"/>
+            <a:r>
+              <a:rPr lang="en-US" dirty="0" smtClean="0"/>
+              <a:t>depending </a:t>
+            </a:r>
+            <a:r>
+              <a:rPr lang="en-US" dirty="0"/>
+              <a:t>on what is being executed when the process has root privileges.  </a:t>
+            </a:r>
+            <a:endParaRPr lang="en-US" dirty="0" smtClean="0"/>
+          </a:p>
+          <a:p>
+            <a:r>
+              <a:rPr lang="en-US" dirty="0" smtClean="0"/>
+              <a:t>system() brings </a:t>
+            </a:r>
+            <a:r>
+              <a:rPr lang="en-US" dirty="0"/>
+              <a:t>some extra dangers </a:t>
+            </a:r>
+            <a:endParaRPr lang="en-US" dirty="0" smtClean="0"/>
+          </a:p>
+          <a:p>
+            <a:pPr lvl="1"/>
+            <a:r>
+              <a:rPr lang="en-US" dirty="0" smtClean="0"/>
+              <a:t>due </a:t>
+            </a:r>
+            <a:r>
+              <a:rPr lang="en-US" dirty="0"/>
+              <a:t>to the additional shell "layer" it uses that opens room security breaches as it invokes a root shell as in the case of your question (i.e., the process has the </a:t>
+            </a:r>
+            <a:r>
+              <a:rPr lang="en-US" dirty="0" err="1"/>
+              <a:t>suid</a:t>
+            </a:r>
+            <a:r>
+              <a:rPr lang="en-US" dirty="0"/>
+              <a:t> bit).</a:t>
+            </a:r>
+          </a:p>
+        </p:txBody>
+      </p:sp>
+    </p:spTree>
+    <p:extLst>
+      <p:ext uri="{BB962C8B-B14F-4D97-AF65-F5344CB8AC3E}">
+        <p14:creationId xmlns:p14="http://schemas.microsoft.com/office/powerpoint/2010/main" val="2060178662"/>
+      </p:ext>
+    </p:extLst>
+  </p:cSld>
+  <p:clrMapOvr>
+    <a:masterClrMapping/>
+  </p:clrMapOvr>
+</p:sld>
+</file>
+
+<file path=ppt/slides/slide29.xml><?xml version="1.0" encoding="utf-8"?>
+<p:sld xmlns:a="http://schemas.openxmlformats.org/drawingml/2006/main" xmlns:r="http://schemas.openxmlformats.org/officeDocument/2006/relationships" xmlns:p="http://schemas.openxmlformats.org/presentationml/2006/main">
+  <p:cSld>
+    <p:spTree>
+      <p:nvGrpSpPr>
+        <p:cNvPr id="1" name=""/>
+        <p:cNvGrpSpPr/>
+        <p:nvPr/>
+      </p:nvGrpSpPr>
+      <p:grpSpPr>
+        <a:xfrm>
+          <a:off x="0" y="0"/>
+          <a:ext cx="0" cy="0"/>
+          <a:chOff x="0" y="0"/>
+          <a:chExt cx="0" cy="0"/>
+        </a:xfrm>
+      </p:grpSpPr>
+      <p:sp>
+        <p:nvSpPr>
+          <p:cNvPr id="2" name="Title 1"/>
+          <p:cNvSpPr>
+            <a:spLocks noGrp="1"/>
+          </p:cNvSpPr>
+          <p:nvPr>
+            <p:ph type="title"/>
+          </p:nvPr>
+        </p:nvSpPr>
+        <p:spPr/>
+        <p:txBody>
+          <a:bodyPr>
+            <a:normAutofit fontScale="90000"/>
+          </a:bodyPr>
+          <a:lstStyle/>
+          <a:p>
+            <a:r>
+              <a:rPr lang="en-US" dirty="0" smtClean="0"/>
+              <a:t>How system </a:t>
             </a:r>
             <a:r>
               <a:rPr lang="en-US" dirty="0"/>
@@ -6423,6 +8194,55 @@
               <a:t>cmd</a:t>
             </a:r>
             <a:r>
+              <a:rPr lang="en-US" dirty="0" smtClean="0"/>
+              <a:t>) works</a:t>
+            </a:r>
+            <a:endParaRPr lang="en-US" dirty="0">
+              <a:solidFill>
+                <a:srgbClr val="FF0000"/>
+              </a:solidFill>
+            </a:endParaRPr>
+          </a:p>
+        </p:txBody>
+      </p:sp>
+      <p:sp>
+        <p:nvSpPr>
+          <p:cNvPr id="3" name="Content Placeholder 2"/>
+          <p:cNvSpPr>
+            <a:spLocks noGrp="1"/>
+          </p:cNvSpPr>
+          <p:nvPr>
+            <p:ph idx="1"/>
+          </p:nvPr>
+        </p:nvSpPr>
+        <p:spPr/>
+        <p:txBody>
+          <a:bodyPr>
+            <a:normAutofit fontScale="92500" lnSpcReduction="20000"/>
+          </a:bodyPr>
+          <a:lstStyle/>
+          <a:p>
+            <a:r>
+              <a:rPr lang="en-US" dirty="0" smtClean="0"/>
+              <a:t>system </a:t>
+            </a:r>
+            <a:r>
+              <a:rPr lang="en-US" dirty="0"/>
+              <a:t>(</a:t>
+            </a:r>
+            <a:r>
+              <a:rPr lang="en-US" dirty="0" err="1"/>
+              <a:t>const</a:t>
+            </a:r>
+            <a:r>
+              <a:rPr lang="en-US" dirty="0"/>
+              <a:t> char *</a:t>
+            </a:r>
+            <a:r>
+              <a:rPr lang="en-US" dirty="0" err="1"/>
+              <a:t>cmd</a:t>
+            </a:r>
+            <a:r>
               <a:rPr lang="en-US" dirty="0"/>
               <a:t>) </a:t>
             </a:r>
@@ -6447,9 +8267,12 @@
             </a:r>
             <a:r>
               <a:rPr lang="en-US" dirty="0"/>
-              <a:t> program, and </a:t>
-            </a:r>
-            <a:endParaRPr lang="en-US" dirty="0" smtClean="0"/>
+              <a:t> program, </a:t>
+            </a:r>
+            <a:r>
+              <a:rPr lang="en-US" dirty="0" smtClean="0"/>
+              <a:t>and</a:t>
+            </a:r>
           </a:p>
           <a:p>
             <a:pPr lvl="1"/>
@@ -6494,10 +8317,41 @@
             </a:r>
           </a:p>
           <a:p>
+            <a:pPr lvl="2"/>
+            <a:r>
+              <a:rPr lang="en-US" dirty="0" err="1" smtClean="0"/>
+              <a:t>execve</a:t>
+            </a:r>
+            <a:r>
+              <a:rPr lang="en-US" dirty="0"/>
+              <a:t>(“/bin/</a:t>
+            </a:r>
+            <a:r>
+              <a:rPr lang="en-US" dirty="0" err="1"/>
+              <a:t>sh</a:t>
+            </a:r>
+            <a:r>
+              <a:rPr lang="en-US" dirty="0"/>
+              <a:t>”,  “-c /</a:t>
+            </a:r>
+            <a:r>
+              <a:rPr lang="en-US" dirty="0" smtClean="0"/>
+              <a:t>bin/mail”, </a:t>
+            </a:r>
+            <a:r>
+              <a:rPr lang="en-US" dirty="0"/>
+              <a:t>environ);</a:t>
+            </a:r>
+          </a:p>
+          <a:p>
             <a:pPr lvl="1"/>
             <a:r>
               <a:rPr lang="en-US" dirty="0" smtClean="0"/>
-              <a:t>Notes: you need to install </a:t>
+              <a:t>Notes</a:t>
+            </a:r>
+            <a:r>
+              <a:rPr lang="en-US" dirty="0" smtClean="0"/>
+              <a:t>: you need to install </a:t>
             </a:r>
             <a:r>
               <a:rPr lang="en-US" dirty="0" err="1" smtClean="0"/>
@@ -6539,8 +8393,12 @@
           </a:p>
           <a:p>
             <a:r>
-              <a:rPr lang="en-US" dirty="0"/>
-              <a:t>The attacker can change PATH to the following, and cause “mail</a:t>
+              <a:rPr lang="en-US" dirty="0" smtClean="0"/>
+              <a:t>The </a:t>
+            </a:r>
+            <a:r>
+              <a:rPr lang="en-US" dirty="0"/>
+              <a:t>attacker can change PATH to the following, and cause “mail</a:t>
             </a:r>
             <a:r>
               <a:rPr lang="en-US" dirty="0" smtClean="0"/>
@@ -6649,1329 +8507,6 @@
 </p:sld>
 </file>
 
-<file path=ppt/slides/slide24.xml><?xml version="1.0" encoding="utf-8"?>
-<p:sld xmlns:a="http://schemas.openxmlformats.org/drawingml/2006/main" xmlns:r="http://schemas.openxmlformats.org/officeDocument/2006/relationships" xmlns:p="http://schemas.openxmlformats.org/presentationml/2006/main">
-  <p:cSld>
-    <p:spTree>
-      <p:nvGrpSpPr>
-        <p:cNvPr id="1" name=""/>
-        <p:cNvGrpSpPr/>
-        <p:nvPr/>
-      </p:nvGrpSpPr>
-      <p:grpSpPr>
-        <a:xfrm>
-          <a:off x="0" y="0"/>
-          <a:ext cx="0" cy="0"/>
-          <a:chOff x="0" y="0"/>
-          <a:chExt cx="0" cy="0"/>
-        </a:xfrm>
-      </p:grpSpPr>
-      <p:sp>
-        <p:nvSpPr>
-          <p:cNvPr id="2" name="Title 1"/>
-          <p:cNvSpPr>
-            <a:spLocks noGrp="1"/>
-          </p:cNvSpPr>
-          <p:nvPr>
-            <p:ph type="title"/>
-          </p:nvPr>
-        </p:nvSpPr>
-        <p:spPr/>
-        <p:txBody>
-          <a:bodyPr/>
-          <a:lstStyle/>
-          <a:p>
-            <a:r>
-              <a:rPr lang="en-US" dirty="0" smtClean="0"/>
-              <a:t>Fix Problem Using Absolutely Path</a:t>
-            </a:r>
-            <a:endParaRPr lang="en-US" dirty="0"/>
-          </a:p>
-        </p:txBody>
-      </p:sp>
-      <p:sp>
-        <p:nvSpPr>
-          <p:cNvPr id="3" name="Content Placeholder 2"/>
-          <p:cNvSpPr>
-            <a:spLocks noGrp="1"/>
-          </p:cNvSpPr>
-          <p:nvPr>
-            <p:ph idx="1"/>
-          </p:nvPr>
-        </p:nvSpPr>
-        <p:spPr/>
-        <p:txBody>
-          <a:bodyPr/>
-          <a:lstStyle/>
-          <a:p>
-            <a:r>
-              <a:rPr lang="en-US" dirty="0"/>
-              <a:t>system("/</a:t>
-            </a:r>
-            <a:r>
-              <a:rPr lang="en-US" dirty="0" smtClean="0"/>
-              <a:t>bin/mail");</a:t>
-            </a:r>
-            <a:endParaRPr lang="en-US" dirty="0"/>
-          </a:p>
-        </p:txBody>
-      </p:sp>
-    </p:spTree>
-    <p:extLst>
-      <p:ext uri="{BB962C8B-B14F-4D97-AF65-F5344CB8AC3E}">
-        <p14:creationId xmlns:p14="http://schemas.microsoft.com/office/powerpoint/2010/main" val="2390638852"/>
-      </p:ext>
-    </p:extLst>
-  </p:cSld>
-  <p:clrMapOvr>
-    <a:masterClrMapping/>
-  </p:clrMapOvr>
-  <p:timing>
-    <p:tnLst>
-      <p:par>
-        <p:cTn id="1" dur="indefinite" restart="never" nodeType="tmRoot"/>
-      </p:par>
-    </p:tnLst>
-  </p:timing>
-</p:sld>
-</file>
-
-<file path=ppt/slides/slide25.xml><?xml version="1.0" encoding="utf-8"?>
-<p:sld xmlns:a="http://schemas.openxmlformats.org/drawingml/2006/main" xmlns:r="http://schemas.openxmlformats.org/officeDocument/2006/relationships" xmlns:p="http://schemas.openxmlformats.org/presentationml/2006/main">
-  <p:cSld>
-    <p:spTree>
-      <p:nvGrpSpPr>
-        <p:cNvPr id="1" name=""/>
-        <p:cNvGrpSpPr/>
-        <p:nvPr/>
-      </p:nvGrpSpPr>
-      <p:grpSpPr>
-        <a:xfrm>
-          <a:off x="0" y="0"/>
-          <a:ext cx="0" cy="0"/>
-          <a:chOff x="0" y="0"/>
-          <a:chExt cx="0" cy="0"/>
-        </a:xfrm>
-      </p:grpSpPr>
-      <p:sp>
-        <p:nvSpPr>
-          <p:cNvPr id="2" name="Title 1"/>
-          <p:cNvSpPr>
-            <a:spLocks noGrp="1"/>
-          </p:cNvSpPr>
-          <p:nvPr>
-            <p:ph type="title"/>
-          </p:nvPr>
-        </p:nvSpPr>
-        <p:spPr/>
-        <p:txBody>
-          <a:bodyPr/>
-          <a:lstStyle/>
-          <a:p>
-            <a:r>
-              <a:rPr lang="en-US" dirty="0">
-                <a:solidFill>
-                  <a:srgbClr val="7030A0"/>
-                </a:solidFill>
-              </a:rPr>
-              <a:t>IFS</a:t>
-            </a:r>
-            <a:r>
-              <a:rPr lang="en-US" dirty="0"/>
-              <a:t> Environment Variable</a:t>
-            </a:r>
-          </a:p>
-        </p:txBody>
-      </p:sp>
-      <p:sp>
-        <p:nvSpPr>
-          <p:cNvPr id="3" name="Content Placeholder 2"/>
-          <p:cNvSpPr>
-            <a:spLocks noGrp="1"/>
-          </p:cNvSpPr>
-          <p:nvPr>
-            <p:ph idx="1"/>
-          </p:nvPr>
-        </p:nvSpPr>
-        <p:spPr/>
-        <p:txBody>
-          <a:bodyPr>
-            <a:normAutofit fontScale="85000" lnSpcReduction="20000"/>
-          </a:bodyPr>
-          <a:lstStyle/>
-          <a:p>
-            <a:r>
-              <a:rPr lang="en-US" dirty="0" smtClean="0"/>
-              <a:t>IFS (Internal </a:t>
-            </a:r>
-            <a:r>
-              <a:rPr lang="en-US" dirty="0"/>
-              <a:t>Field </a:t>
-            </a:r>
-            <a:r>
-              <a:rPr lang="en-US" dirty="0" smtClean="0"/>
-              <a:t>Separators)</a:t>
-            </a:r>
-          </a:p>
-          <a:p>
-            <a:pPr lvl="1"/>
-            <a:r>
-              <a:rPr lang="en-US" dirty="0"/>
-              <a:t>V</a:t>
-            </a:r>
-            <a:r>
-              <a:rPr lang="en-US" dirty="0" smtClean="0"/>
-              <a:t>ariable </a:t>
-            </a:r>
-            <a:r>
-              <a:rPr lang="en-US" dirty="0"/>
-              <a:t>determines the characters which are to be interpreted as white </a:t>
-            </a:r>
-            <a:r>
-              <a:rPr lang="en-US" dirty="0" smtClean="0"/>
-              <a:t>spaces</a:t>
-            </a:r>
-          </a:p>
-          <a:p>
-            <a:r>
-              <a:rPr lang="en-US" dirty="0"/>
-              <a:t>Default</a:t>
-            </a:r>
-            <a:r>
-              <a:rPr lang="en-US" i="1" dirty="0" smtClean="0">
-                <a:solidFill>
-                  <a:srgbClr val="FF0000"/>
-                </a:solidFill>
-              </a:rPr>
-              <a:t> IFS=“ \</a:t>
-            </a:r>
-            <a:r>
-              <a:rPr lang="en-US" i="1" dirty="0">
-                <a:solidFill>
-                  <a:srgbClr val="FF0000"/>
-                </a:solidFill>
-              </a:rPr>
-              <a:t>t\n";</a:t>
-            </a:r>
-            <a:endParaRPr lang="en-US" dirty="0" smtClean="0"/>
-          </a:p>
-          <a:p>
-            <a:r>
-              <a:rPr lang="en-US" dirty="0" smtClean="0"/>
-              <a:t>Example of using IFS</a:t>
-            </a:r>
-          </a:p>
-          <a:p>
-            <a:pPr lvl="1"/>
-            <a:r>
-              <a:rPr lang="en-US" i="1" dirty="0">
-                <a:solidFill>
-                  <a:srgbClr val="FF0000"/>
-                </a:solidFill>
-              </a:rPr>
-              <a:t>IFS="</a:t>
-            </a:r>
-            <a:r>
-              <a:rPr lang="en-US" i="1" dirty="0">
-                <a:solidFill>
-                  <a:srgbClr val="7030A0"/>
-                </a:solidFill>
-              </a:rPr>
-              <a:t>/</a:t>
-            </a:r>
-            <a:r>
-              <a:rPr lang="en-US" i="1" dirty="0">
-                <a:solidFill>
-                  <a:srgbClr val="FF0000"/>
-                </a:solidFill>
-              </a:rPr>
-              <a:t> \t\n"; export IFS</a:t>
-            </a:r>
-          </a:p>
-          <a:p>
-            <a:pPr lvl="1"/>
-            <a:r>
-              <a:rPr lang="en-US" i="1" dirty="0">
-                <a:solidFill>
-                  <a:srgbClr val="FF0000"/>
-                </a:solidFill>
-              </a:rPr>
-              <a:t>PATH=".:$PATH"; export PATH</a:t>
-            </a:r>
-          </a:p>
-          <a:p>
-            <a:pPr lvl="1"/>
-            <a:r>
-              <a:rPr lang="en-US" dirty="0" smtClean="0"/>
-              <a:t>system</a:t>
-            </a:r>
-            <a:r>
-              <a:rPr lang="en-US" dirty="0"/>
-              <a:t>("/</a:t>
-            </a:r>
-            <a:r>
-              <a:rPr lang="en-US" dirty="0" smtClean="0"/>
-              <a:t>bin/mail"); </a:t>
-            </a:r>
-            <a:r>
-              <a:rPr lang="en-US" dirty="0"/>
-              <a:t>---&gt; system(" bin </a:t>
-            </a:r>
-            <a:r>
-              <a:rPr lang="en-US" dirty="0" smtClean="0"/>
-              <a:t>mail");</a:t>
-            </a:r>
-          </a:p>
-          <a:p>
-            <a:pPr lvl="1"/>
-            <a:r>
-              <a:rPr lang="en-US" dirty="0"/>
-              <a:t>Problem?</a:t>
-            </a:r>
-          </a:p>
-          <a:p>
-            <a:pPr lvl="2"/>
-            <a:r>
-              <a:rPr lang="en-US" sz="2800" dirty="0"/>
-              <a:t>you call a program “</a:t>
-            </a:r>
-            <a:r>
-              <a:rPr lang="en-US" sz="2800" dirty="0">
-                <a:solidFill>
-                  <a:srgbClr val="FF0000"/>
-                </a:solidFill>
-              </a:rPr>
-              <a:t>bin</a:t>
-            </a:r>
-            <a:r>
-              <a:rPr lang="en-US" sz="2800" dirty="0"/>
-              <a:t>” with a parameter “</a:t>
-            </a:r>
-            <a:r>
-              <a:rPr lang="en-US" sz="2800" dirty="0">
-                <a:solidFill>
-                  <a:srgbClr val="FF0000"/>
-                </a:solidFill>
-              </a:rPr>
-              <a:t>mail</a:t>
-            </a:r>
-            <a:r>
-              <a:rPr lang="en-US" sz="2800" dirty="0" smtClean="0"/>
-              <a:t>”</a:t>
-            </a:r>
-          </a:p>
-          <a:p>
-            <a:r>
-              <a:rPr lang="en-US" dirty="0"/>
-              <a:t>This has been </a:t>
-            </a:r>
-            <a:r>
-              <a:rPr lang="en-US" dirty="0" smtClean="0"/>
-              <a:t>fixed</a:t>
-            </a:r>
-          </a:p>
-          <a:p>
-            <a:pPr lvl="1"/>
-            <a:r>
-              <a:rPr lang="en-US" dirty="0" smtClean="0"/>
-              <a:t>by </a:t>
-            </a:r>
-            <a:r>
-              <a:rPr lang="en-US" dirty="0"/>
-              <a:t>making the shells not inherit the IFS variable</a:t>
-            </a:r>
-          </a:p>
-        </p:txBody>
-      </p:sp>
-      <p:sp>
-        <p:nvSpPr>
-          <p:cNvPr id="4" name="Rectangle 3"/>
-          <p:cNvSpPr/>
-          <p:nvPr/>
-        </p:nvSpPr>
-        <p:spPr>
-          <a:xfrm>
-            <a:off x="4343400" y="6096000"/>
-            <a:ext cx="4572000" cy="646331"/>
-          </a:xfrm>
-          <a:prstGeom prst="rect">
-            <a:avLst/>
-          </a:prstGeom>
-        </p:spPr>
-        <p:txBody>
-          <a:bodyPr>
-            <a:spAutoFit/>
-          </a:bodyPr>
-          <a:lstStyle/>
-          <a:p>
-            <a:r>
-              <a:rPr lang="en-US" dirty="0"/>
-              <a:t>https://en.wikipedia.org/wiki/Internal_field_separator</a:t>
-            </a:r>
-          </a:p>
-        </p:txBody>
-      </p:sp>
-    </p:spTree>
-    <p:extLst>
-      <p:ext uri="{BB962C8B-B14F-4D97-AF65-F5344CB8AC3E}">
-        <p14:creationId xmlns:p14="http://schemas.microsoft.com/office/powerpoint/2010/main" val="632362019"/>
-      </p:ext>
-    </p:extLst>
-  </p:cSld>
-  <p:clrMapOvr>
-    <a:masterClrMapping/>
-  </p:clrMapOvr>
-  <p:timing>
-    <p:tnLst>
-      <p:par>
-        <p:cTn id="1" dur="indefinite" restart="never" nodeType="tmRoot"/>
-      </p:par>
-    </p:tnLst>
-  </p:timing>
-</p:sld>
-</file>
-
-<file path=ppt/slides/slide26.xml><?xml version="1.0" encoding="utf-8"?>
-<p:sld xmlns:a="http://schemas.openxmlformats.org/drawingml/2006/main" xmlns:r="http://schemas.openxmlformats.org/officeDocument/2006/relationships" xmlns:p="http://schemas.openxmlformats.org/presentationml/2006/main">
-  <p:cSld>
-    <p:spTree>
-      <p:nvGrpSpPr>
-        <p:cNvPr id="1" name=""/>
-        <p:cNvGrpSpPr/>
-        <p:nvPr/>
-      </p:nvGrpSpPr>
-      <p:grpSpPr>
-        <a:xfrm>
-          <a:off x="0" y="0"/>
-          <a:ext cx="0" cy="0"/>
-          <a:chOff x="0" y="0"/>
-          <a:chExt cx="0" cy="0"/>
-        </a:xfrm>
-      </p:grpSpPr>
-      <p:sp>
-        <p:nvSpPr>
-          <p:cNvPr id="2" name="Title 1"/>
-          <p:cNvSpPr>
-            <a:spLocks noGrp="1"/>
-          </p:cNvSpPr>
-          <p:nvPr>
-            <p:ph type="title"/>
-          </p:nvPr>
-        </p:nvSpPr>
-        <p:spPr/>
-        <p:txBody>
-          <a:bodyPr>
-            <a:normAutofit fontScale="90000"/>
-          </a:bodyPr>
-          <a:lstStyle/>
-          <a:p>
-            <a:r>
-              <a:rPr lang="en-US" dirty="0" smtClean="0">
-                <a:solidFill>
-                  <a:srgbClr val="7030A0"/>
-                </a:solidFill>
-              </a:rPr>
-              <a:t>LD_LIBRARY_PATH</a:t>
-            </a:r>
-            <a:r>
-              <a:rPr lang="en-US" dirty="0" smtClean="0"/>
-              <a:t> </a:t>
-            </a:r>
-            <a:r>
-              <a:rPr lang="en-US" dirty="0"/>
-              <a:t>Environment Variable</a:t>
-            </a:r>
-          </a:p>
-        </p:txBody>
-      </p:sp>
-      <p:sp>
-        <p:nvSpPr>
-          <p:cNvPr id="3" name="Content Placeholder 2"/>
-          <p:cNvSpPr>
-            <a:spLocks noGrp="1"/>
-          </p:cNvSpPr>
-          <p:nvPr>
-            <p:ph idx="1"/>
-          </p:nvPr>
-        </p:nvSpPr>
-        <p:spPr/>
-        <p:txBody>
-          <a:bodyPr>
-            <a:normAutofit fontScale="92500" lnSpcReduction="20000"/>
-          </a:bodyPr>
-          <a:lstStyle/>
-          <a:p>
-            <a:r>
-              <a:rPr lang="en-US" dirty="0"/>
-              <a:t>In Linux, unless explicitly specified via the </a:t>
-            </a:r>
-            <a:r>
-              <a:rPr lang="en-US" dirty="0">
-                <a:solidFill>
-                  <a:srgbClr val="7030A0"/>
-                </a:solidFill>
-              </a:rPr>
-              <a:t>-static </a:t>
-            </a:r>
-            <a:r>
-              <a:rPr lang="en-US" dirty="0"/>
-              <a:t>option during compilation, all </a:t>
-            </a:r>
-            <a:r>
-              <a:rPr lang="en-US" dirty="0" smtClean="0"/>
-              <a:t>Linux programs </a:t>
-            </a:r>
-            <a:r>
-              <a:rPr lang="en-US" dirty="0"/>
-              <a:t>are incomplete and require further linking to the dynamic link libraries at run time. </a:t>
-            </a:r>
-            <a:endParaRPr lang="en-US" dirty="0" smtClean="0"/>
-          </a:p>
-          <a:p>
-            <a:r>
-              <a:rPr lang="en-US" dirty="0" smtClean="0"/>
-              <a:t>The dynamic </a:t>
-            </a:r>
-            <a:r>
-              <a:rPr lang="en-US" dirty="0"/>
-              <a:t>linker/loader </a:t>
-            </a:r>
-            <a:r>
-              <a:rPr lang="en-US" dirty="0">
-                <a:solidFill>
-                  <a:srgbClr val="7030A0"/>
-                </a:solidFill>
-              </a:rPr>
-              <a:t>ld.so/ld-linux.so</a:t>
-            </a:r>
-            <a:r>
-              <a:rPr lang="en-US" dirty="0"/>
-              <a:t> </a:t>
-            </a:r>
-            <a:endParaRPr lang="en-US" dirty="0" smtClean="0"/>
-          </a:p>
-          <a:p>
-            <a:pPr lvl="1"/>
-            <a:r>
-              <a:rPr lang="en-US" dirty="0" smtClean="0"/>
-              <a:t>loads </a:t>
-            </a:r>
-            <a:r>
-              <a:rPr lang="en-US" dirty="0"/>
-              <a:t>the shared libraries needed by a program</a:t>
-            </a:r>
-            <a:r>
-              <a:rPr lang="en-US" dirty="0" smtClean="0"/>
-              <a:t>, </a:t>
-            </a:r>
-          </a:p>
-          <a:p>
-            <a:pPr lvl="1"/>
-            <a:r>
-              <a:rPr lang="en-US" dirty="0" smtClean="0"/>
-              <a:t>prepares </a:t>
-            </a:r>
-            <a:r>
-              <a:rPr lang="en-US" dirty="0"/>
-              <a:t>the program to run, and </a:t>
-            </a:r>
-            <a:endParaRPr lang="en-US" dirty="0" smtClean="0"/>
-          </a:p>
-          <a:p>
-            <a:pPr lvl="1"/>
-            <a:r>
-              <a:rPr lang="en-US" dirty="0" smtClean="0"/>
-              <a:t>then </a:t>
-            </a:r>
-            <a:r>
-              <a:rPr lang="en-US" dirty="0"/>
-              <a:t>runs it. </a:t>
-            </a:r>
-            <a:endParaRPr lang="en-US" dirty="0" smtClean="0"/>
-          </a:p>
-          <a:p>
-            <a:r>
-              <a:rPr lang="en-US" dirty="0" smtClean="0"/>
-              <a:t>Command </a:t>
-            </a:r>
-            <a:r>
-              <a:rPr lang="en-US" dirty="0"/>
-              <a:t>to see </a:t>
-            </a:r>
-            <a:r>
-              <a:rPr lang="en-US" dirty="0" smtClean="0"/>
-              <a:t>what shared </a:t>
-            </a:r>
-            <a:r>
-              <a:rPr lang="en-US" dirty="0"/>
-              <a:t>libraries a program depends </a:t>
-            </a:r>
-            <a:r>
-              <a:rPr lang="en-US" dirty="0" smtClean="0"/>
-              <a:t>on</a:t>
-            </a:r>
-          </a:p>
-          <a:p>
-            <a:pPr lvl="1"/>
-            <a:r>
-              <a:rPr lang="en-US" dirty="0">
-                <a:solidFill>
-                  <a:srgbClr val="7030A0"/>
-                </a:solidFill>
-              </a:rPr>
-              <a:t>% </a:t>
-            </a:r>
-            <a:r>
-              <a:rPr lang="en-US" dirty="0" err="1">
-                <a:solidFill>
-                  <a:srgbClr val="7030A0"/>
-                </a:solidFill>
-              </a:rPr>
-              <a:t>ldd</a:t>
-            </a:r>
-            <a:r>
-              <a:rPr lang="en-US" dirty="0">
-                <a:solidFill>
-                  <a:srgbClr val="7030A0"/>
-                </a:solidFill>
-              </a:rPr>
-              <a:t> /</a:t>
-            </a:r>
-            <a:r>
-              <a:rPr lang="en-US" dirty="0" smtClean="0">
-                <a:solidFill>
-                  <a:srgbClr val="7030A0"/>
-                </a:solidFill>
-              </a:rPr>
-              <a:t>bin/ls # ls program links to libraries</a:t>
-            </a:r>
-          </a:p>
-          <a:p>
-            <a:pPr marL="457200" lvl="1" indent="0">
-              <a:buNone/>
-            </a:pPr>
-            <a:endParaRPr lang="en-US" dirty="0">
-              <a:solidFill>
-                <a:srgbClr val="7030A0"/>
-              </a:solidFill>
-            </a:endParaRPr>
-          </a:p>
-        </p:txBody>
-      </p:sp>
-    </p:spTree>
-    <p:extLst>
-      <p:ext uri="{BB962C8B-B14F-4D97-AF65-F5344CB8AC3E}">
-        <p14:creationId xmlns:p14="http://schemas.microsoft.com/office/powerpoint/2010/main" val="1687051461"/>
-      </p:ext>
-    </p:extLst>
-  </p:cSld>
-  <p:clrMapOvr>
-    <a:masterClrMapping/>
-  </p:clrMapOvr>
-  <p:timing>
-    <p:tnLst>
-      <p:par>
-        <p:cTn id="1" dur="indefinite" restart="never" nodeType="tmRoot"/>
-      </p:par>
-    </p:tnLst>
-  </p:timing>
-</p:sld>
-</file>
-
-<file path=ppt/slides/slide27.xml><?xml version="1.0" encoding="utf-8"?>
-<p:sld xmlns:a="http://schemas.openxmlformats.org/drawingml/2006/main" xmlns:r="http://schemas.openxmlformats.org/officeDocument/2006/relationships" xmlns:p="http://schemas.openxmlformats.org/presentationml/2006/main">
-  <p:cSld>
-    <p:spTree>
-      <p:nvGrpSpPr>
-        <p:cNvPr id="1" name=""/>
-        <p:cNvGrpSpPr/>
-        <p:nvPr/>
-      </p:nvGrpSpPr>
-      <p:grpSpPr>
-        <a:xfrm>
-          <a:off x="0" y="0"/>
-          <a:ext cx="0" cy="0"/>
-          <a:chOff x="0" y="0"/>
-          <a:chExt cx="0" cy="0"/>
-        </a:xfrm>
-      </p:grpSpPr>
-      <p:sp>
-        <p:nvSpPr>
-          <p:cNvPr id="2" name="Title 1"/>
-          <p:cNvSpPr>
-            <a:spLocks noGrp="1"/>
-          </p:cNvSpPr>
-          <p:nvPr>
-            <p:ph type="title"/>
-          </p:nvPr>
-        </p:nvSpPr>
-        <p:spPr/>
-        <p:txBody>
-          <a:bodyPr/>
-          <a:lstStyle/>
-          <a:p>
-            <a:r>
-              <a:rPr lang="en-US" dirty="0">
-                <a:solidFill>
-                  <a:srgbClr val="7030A0"/>
-                </a:solidFill>
-              </a:rPr>
-              <a:t>LD_LIBRARY_PATH</a:t>
-            </a:r>
-            <a:endParaRPr lang="en-US" dirty="0"/>
-          </a:p>
-        </p:txBody>
-      </p:sp>
-      <p:sp>
-        <p:nvSpPr>
-          <p:cNvPr id="3" name="Content Placeholder 2"/>
-          <p:cNvSpPr>
-            <a:spLocks noGrp="1"/>
-          </p:cNvSpPr>
-          <p:nvPr>
-            <p:ph idx="1"/>
-          </p:nvPr>
-        </p:nvSpPr>
-        <p:spPr/>
-        <p:txBody>
-          <a:bodyPr>
-            <a:normAutofit fontScale="70000" lnSpcReduction="20000"/>
-          </a:bodyPr>
-          <a:lstStyle/>
-          <a:p>
-            <a:r>
-              <a:rPr lang="en-US" dirty="0" smtClean="0"/>
-              <a:t>is </a:t>
-            </a:r>
-            <a:r>
-              <a:rPr lang="en-US" dirty="0"/>
-              <a:t>an environment variable used by </a:t>
-            </a:r>
-            <a:endParaRPr lang="en-US" dirty="0" smtClean="0"/>
-          </a:p>
-          <a:p>
-            <a:pPr lvl="1"/>
-            <a:r>
-              <a:rPr lang="en-US" smtClean="0"/>
-              <a:t>the </a:t>
-            </a:r>
-            <a:r>
-              <a:rPr lang="en-US" smtClean="0"/>
-              <a:t>dynamic </a:t>
-            </a:r>
-            <a:r>
-              <a:rPr lang="en-US" dirty="0"/>
-              <a:t>linker/loader (</a:t>
-            </a:r>
-            <a:r>
-              <a:rPr lang="en-US" dirty="0" smtClean="0"/>
-              <a:t>ld.so and </a:t>
-            </a:r>
-            <a:r>
-              <a:rPr lang="en-US" dirty="0"/>
-              <a:t>ld-linux.so). </a:t>
-            </a:r>
-            <a:endParaRPr lang="en-US" dirty="0" smtClean="0"/>
-          </a:p>
-          <a:p>
-            <a:r>
-              <a:rPr lang="en-US" dirty="0" smtClean="0"/>
-              <a:t>It </a:t>
-            </a:r>
-            <a:r>
-              <a:rPr lang="en-US" dirty="0"/>
-              <a:t>contains a list of </a:t>
-            </a:r>
-            <a:r>
-              <a:rPr lang="en-US" dirty="0" smtClean="0"/>
-              <a:t>directories</a:t>
-            </a:r>
-          </a:p>
-          <a:p>
-            <a:pPr lvl="1"/>
-            <a:r>
-              <a:rPr lang="en-US" dirty="0" smtClean="0"/>
-              <a:t>for </a:t>
-            </a:r>
-            <a:r>
-              <a:rPr lang="en-US" dirty="0"/>
-              <a:t>the linker/loader to look for when </a:t>
-            </a:r>
-            <a:r>
-              <a:rPr lang="en-US" dirty="0" smtClean="0"/>
-              <a:t>it searches </a:t>
-            </a:r>
-            <a:r>
-              <a:rPr lang="en-US" dirty="0"/>
-              <a:t>for shared libraries. </a:t>
-            </a:r>
-            <a:endParaRPr lang="en-US" dirty="0" smtClean="0"/>
-          </a:p>
-          <a:p>
-            <a:pPr lvl="1"/>
-            <a:r>
-              <a:rPr lang="en-US" dirty="0" smtClean="0"/>
-              <a:t>Multiple </a:t>
-            </a:r>
-            <a:r>
-              <a:rPr lang="en-US" dirty="0"/>
-              <a:t>directories can be listed, separated with a colon (:). </a:t>
-            </a:r>
-            <a:endParaRPr lang="en-US" dirty="0" smtClean="0"/>
-          </a:p>
-          <a:p>
-            <a:pPr lvl="1"/>
-            <a:r>
-              <a:rPr lang="en-US" dirty="0" smtClean="0"/>
-              <a:t>This list </a:t>
-            </a:r>
-            <a:r>
-              <a:rPr lang="en-US" dirty="0"/>
-              <a:t>is prepended to the existing list of compiled-in loader paths for a given executable, and </a:t>
-            </a:r>
-            <a:r>
-              <a:rPr lang="en-US" dirty="0" smtClean="0"/>
-              <a:t>any system </a:t>
-            </a:r>
-            <a:r>
-              <a:rPr lang="en-US" dirty="0"/>
-              <a:t>default loader paths</a:t>
-            </a:r>
-            <a:r>
-              <a:rPr lang="en-US" dirty="0" smtClean="0"/>
-              <a:t>.</a:t>
-            </a:r>
-          </a:p>
-          <a:p>
-            <a:r>
-              <a:rPr lang="en-US" dirty="0"/>
-              <a:t>Virtually every Unix program depends on </a:t>
-            </a:r>
-            <a:r>
-              <a:rPr lang="en-US" dirty="0">
-                <a:solidFill>
-                  <a:srgbClr val="7030A0"/>
-                </a:solidFill>
-              </a:rPr>
-              <a:t>libc.so</a:t>
-            </a:r>
-            <a:r>
-              <a:rPr lang="en-US" dirty="0"/>
-              <a:t> </a:t>
-            </a:r>
-            <a:endParaRPr lang="en-US" dirty="0" smtClean="0"/>
-          </a:p>
-          <a:p>
-            <a:pPr lvl="1"/>
-            <a:r>
-              <a:rPr lang="en-US" dirty="0" smtClean="0"/>
-              <a:t>and </a:t>
-            </a:r>
-            <a:r>
-              <a:rPr lang="en-US" dirty="0"/>
-              <a:t>virtually every windows </a:t>
-            </a:r>
-            <a:r>
-              <a:rPr lang="en-US" dirty="0" smtClean="0"/>
-              <a:t>program relies </a:t>
-            </a:r>
-            <a:r>
-              <a:rPr lang="en-US" dirty="0"/>
-              <a:t>on DLL’s</a:t>
-            </a:r>
-            <a:r>
-              <a:rPr lang="en-US" dirty="0" smtClean="0"/>
-              <a:t>.</a:t>
-            </a:r>
-          </a:p>
-          <a:p>
-            <a:r>
-              <a:rPr lang="en-US" dirty="0" smtClean="0">
-                <a:solidFill>
-                  <a:srgbClr val="FF0000"/>
-                </a:solidFill>
-              </a:rPr>
-              <a:t>Attacking</a:t>
-            </a:r>
-          </a:p>
-          <a:p>
-            <a:pPr lvl="1"/>
-            <a:r>
-              <a:rPr lang="en-US" dirty="0"/>
-              <a:t>If these libraries can be replaced by malicious copies, malicious code can </a:t>
-            </a:r>
-            <a:r>
-              <a:rPr lang="en-US" dirty="0" smtClean="0"/>
-              <a:t>be invoked </a:t>
-            </a:r>
-            <a:r>
-              <a:rPr lang="en-US" dirty="0"/>
-              <a:t>when functions in these libraries are invoked</a:t>
-            </a:r>
-            <a:r>
-              <a:rPr lang="en-US" dirty="0" smtClean="0"/>
-              <a:t>.</a:t>
-            </a:r>
-          </a:p>
-          <a:p>
-            <a:pPr lvl="1"/>
-            <a:r>
-              <a:rPr lang="en-US" dirty="0">
-                <a:solidFill>
-                  <a:srgbClr val="7030A0"/>
-                </a:solidFill>
-              </a:rPr>
-              <a:t>% </a:t>
-            </a:r>
-            <a:r>
-              <a:rPr lang="en-US" dirty="0" err="1">
-                <a:solidFill>
-                  <a:srgbClr val="7030A0"/>
-                </a:solidFill>
-              </a:rPr>
-              <a:t>setenv</a:t>
-            </a:r>
-            <a:r>
-              <a:rPr lang="en-US" dirty="0">
-                <a:solidFill>
-                  <a:srgbClr val="7030A0"/>
-                </a:solidFill>
-              </a:rPr>
-              <a:t> LD_LIBRARY_PATH .:$</a:t>
-            </a:r>
-            <a:r>
-              <a:rPr lang="en-US" dirty="0" smtClean="0">
-                <a:solidFill>
-                  <a:srgbClr val="7030A0"/>
-                </a:solidFill>
-              </a:rPr>
-              <a:t>LD_LIBRARY_PATH</a:t>
-            </a:r>
-            <a:endParaRPr lang="en-US" dirty="0">
-              <a:solidFill>
-                <a:srgbClr val="7030A0"/>
-              </a:solidFill>
-            </a:endParaRPr>
-          </a:p>
-        </p:txBody>
-      </p:sp>
-    </p:spTree>
-    <p:extLst>
-      <p:ext uri="{BB962C8B-B14F-4D97-AF65-F5344CB8AC3E}">
-        <p14:creationId xmlns:p14="http://schemas.microsoft.com/office/powerpoint/2010/main" val="3633484018"/>
-      </p:ext>
-    </p:extLst>
-  </p:cSld>
-  <p:clrMapOvr>
-    <a:masterClrMapping/>
-  </p:clrMapOvr>
-</p:sld>
-</file>
-
-<file path=ppt/slides/slide28.xml><?xml version="1.0" encoding="utf-8"?>
-<p:sld xmlns:a="http://schemas.openxmlformats.org/drawingml/2006/main" xmlns:r="http://schemas.openxmlformats.org/officeDocument/2006/relationships" xmlns:p="http://schemas.openxmlformats.org/presentationml/2006/main">
-  <p:cSld>
-    <p:spTree>
-      <p:nvGrpSpPr>
-        <p:cNvPr id="1" name=""/>
-        <p:cNvGrpSpPr/>
-        <p:nvPr/>
-      </p:nvGrpSpPr>
-      <p:grpSpPr>
-        <a:xfrm>
-          <a:off x="0" y="0"/>
-          <a:ext cx="0" cy="0"/>
-          <a:chOff x="0" y="0"/>
-          <a:chExt cx="0" cy="0"/>
-        </a:xfrm>
-      </p:grpSpPr>
-      <p:sp>
-        <p:nvSpPr>
-          <p:cNvPr id="2" name="Title 1"/>
-          <p:cNvSpPr>
-            <a:spLocks noGrp="1"/>
-          </p:cNvSpPr>
-          <p:nvPr>
-            <p:ph type="title"/>
-          </p:nvPr>
-        </p:nvSpPr>
-        <p:spPr/>
-        <p:txBody>
-          <a:bodyPr/>
-          <a:lstStyle/>
-          <a:p>
-            <a:r>
-              <a:rPr lang="en-US" dirty="0" smtClean="0">
-                <a:solidFill>
-                  <a:srgbClr val="002060"/>
-                </a:solidFill>
-              </a:rPr>
-              <a:t>Countermeasure</a:t>
-            </a:r>
-            <a:endParaRPr lang="en-US" dirty="0"/>
-          </a:p>
-        </p:txBody>
-      </p:sp>
-      <p:sp>
-        <p:nvSpPr>
-          <p:cNvPr id="3" name="Content Placeholder 2"/>
-          <p:cNvSpPr>
-            <a:spLocks noGrp="1"/>
-          </p:cNvSpPr>
-          <p:nvPr>
-            <p:ph idx="1"/>
-          </p:nvPr>
-        </p:nvSpPr>
-        <p:spPr/>
-        <p:txBody>
-          <a:bodyPr>
-            <a:normAutofit/>
-          </a:bodyPr>
-          <a:lstStyle/>
-          <a:p>
-            <a:r>
-              <a:rPr lang="en-US" sz="2800" dirty="0" smtClean="0"/>
-              <a:t>Protect </a:t>
-            </a:r>
-            <a:r>
-              <a:rPr lang="en-US" sz="2800" dirty="0"/>
-              <a:t>Set-UID programs </a:t>
-            </a:r>
-            <a:endParaRPr lang="en-US" sz="2800" dirty="0" smtClean="0"/>
-          </a:p>
-          <a:p>
-            <a:pPr lvl="1"/>
-            <a:r>
-              <a:rPr lang="en-US" sz="2400" dirty="0" smtClean="0"/>
-              <a:t>ignore </a:t>
-            </a:r>
-            <a:r>
-              <a:rPr lang="en-US" sz="2400" dirty="0"/>
-              <a:t>this environment </a:t>
-            </a:r>
-            <a:r>
-              <a:rPr lang="en-US" sz="2400" dirty="0" smtClean="0"/>
-              <a:t>variable</a:t>
-            </a:r>
-          </a:p>
-          <a:p>
-            <a:r>
-              <a:rPr lang="en-US" sz="2800" dirty="0"/>
-              <a:t>Secure applications </a:t>
-            </a:r>
-            <a:endParaRPr lang="en-US" sz="2800" dirty="0" smtClean="0"/>
-          </a:p>
-          <a:p>
-            <a:pPr lvl="1"/>
-            <a:r>
-              <a:rPr lang="en-US" sz="2400" dirty="0" smtClean="0"/>
-              <a:t>can </a:t>
-            </a:r>
-            <a:r>
-              <a:rPr lang="en-US" sz="2400" dirty="0"/>
-              <a:t>also be linked statically with a </a:t>
-            </a:r>
-            <a:r>
-              <a:rPr lang="en-US" sz="2400" dirty="0" smtClean="0"/>
-              <a:t>trusted</a:t>
-            </a:r>
-          </a:p>
-          <a:p>
-            <a:r>
-              <a:rPr lang="en-US" sz="2800" dirty="0"/>
-              <a:t>In Windows </a:t>
-            </a:r>
-            <a:r>
-              <a:rPr lang="en-US" sz="2800" dirty="0" smtClean="0"/>
-              <a:t>machines </a:t>
-            </a:r>
-          </a:p>
-          <a:p>
-            <a:pPr lvl="1"/>
-            <a:r>
-              <a:rPr lang="en-US" sz="2400" dirty="0" smtClean="0"/>
-              <a:t>when </a:t>
-            </a:r>
-            <a:r>
-              <a:rPr lang="en-US" sz="2400" dirty="0"/>
-              <a:t>loading DLLs, generally, the current directory is searched for DLLs before the system directories. </a:t>
-            </a:r>
-          </a:p>
-          <a:p>
-            <a:pPr lvl="1"/>
-            <a:r>
-              <a:rPr lang="en-US" sz="2400" dirty="0"/>
-              <a:t>If you click on a Microsoft Word document to start Office, the directory containing that document is searched first for DLLs.</a:t>
-            </a:r>
-          </a:p>
-        </p:txBody>
-      </p:sp>
-    </p:spTree>
-    <p:extLst>
-      <p:ext uri="{BB962C8B-B14F-4D97-AF65-F5344CB8AC3E}">
-        <p14:creationId xmlns:p14="http://schemas.microsoft.com/office/powerpoint/2010/main" val="1462757491"/>
-      </p:ext>
-    </p:extLst>
-  </p:cSld>
-  <p:clrMapOvr>
-    <a:masterClrMapping/>
-  </p:clrMapOvr>
-</p:sld>
-</file>
-
-<file path=ppt/slides/slide29.xml><?xml version="1.0" encoding="utf-8"?>
-<p:sld xmlns:a="http://schemas.openxmlformats.org/drawingml/2006/main" xmlns:r="http://schemas.openxmlformats.org/officeDocument/2006/relationships" xmlns:p="http://schemas.openxmlformats.org/presentationml/2006/main">
-  <p:cSld>
-    <p:spTree>
-      <p:nvGrpSpPr>
-        <p:cNvPr id="1" name=""/>
-        <p:cNvGrpSpPr/>
-        <p:nvPr/>
-      </p:nvGrpSpPr>
-      <p:grpSpPr>
-        <a:xfrm>
-          <a:off x="0" y="0"/>
-          <a:ext cx="0" cy="0"/>
-          <a:chOff x="0" y="0"/>
-          <a:chExt cx="0" cy="0"/>
-        </a:xfrm>
-      </p:grpSpPr>
-      <p:sp>
-        <p:nvSpPr>
-          <p:cNvPr id="2" name="Title 1"/>
-          <p:cNvSpPr>
-            <a:spLocks noGrp="1"/>
-          </p:cNvSpPr>
-          <p:nvPr>
-            <p:ph type="title"/>
-          </p:nvPr>
-        </p:nvSpPr>
-        <p:spPr/>
-        <p:txBody>
-          <a:bodyPr/>
-          <a:lstStyle/>
-          <a:p>
-            <a:r>
-              <a:rPr lang="en-US" dirty="0" smtClean="0">
-                <a:solidFill>
-                  <a:srgbClr val="7030A0"/>
-                </a:solidFill>
-              </a:rPr>
-              <a:t>LD_PRELOAD </a:t>
-            </a:r>
-            <a:r>
-              <a:rPr lang="en-US" dirty="0"/>
-              <a:t>Environment Variable</a:t>
-            </a:r>
-          </a:p>
-        </p:txBody>
-      </p:sp>
-      <p:sp>
-        <p:nvSpPr>
-          <p:cNvPr id="3" name="Content Placeholder 2"/>
-          <p:cNvSpPr>
-            <a:spLocks noGrp="1"/>
-          </p:cNvSpPr>
-          <p:nvPr>
-            <p:ph idx="1"/>
-          </p:nvPr>
-        </p:nvSpPr>
-        <p:spPr/>
-        <p:txBody>
-          <a:bodyPr>
-            <a:normAutofit fontScale="85000" lnSpcReduction="10000"/>
-          </a:bodyPr>
-          <a:lstStyle/>
-          <a:p>
-            <a:r>
-              <a:rPr lang="en-US" dirty="0"/>
-              <a:t>Many Unix systems allow you to ”pre-load” shared libraries </a:t>
-            </a:r>
-            <a:endParaRPr lang="en-US" dirty="0" smtClean="0"/>
-          </a:p>
-          <a:p>
-            <a:pPr lvl="1"/>
-            <a:r>
-              <a:rPr lang="en-US" dirty="0" smtClean="0"/>
-              <a:t>by </a:t>
-            </a:r>
-            <a:r>
-              <a:rPr lang="en-US" dirty="0"/>
-              <a:t>setting an environment </a:t>
-            </a:r>
-            <a:r>
-              <a:rPr lang="en-US" dirty="0" smtClean="0"/>
-              <a:t>variable LD_PRELOAD</a:t>
-            </a:r>
-            <a:r>
-              <a:rPr lang="en-US" dirty="0"/>
-              <a:t>. </a:t>
-            </a:r>
-            <a:endParaRPr lang="en-US" dirty="0" smtClean="0"/>
-          </a:p>
-          <a:p>
-            <a:pPr lvl="1"/>
-            <a:r>
-              <a:rPr lang="en-US" dirty="0" smtClean="0"/>
-              <a:t>user </a:t>
-            </a:r>
-            <a:r>
-              <a:rPr lang="en-US" dirty="0"/>
-              <a:t>specified libraries will be loaded before all others. </a:t>
-            </a:r>
-            <a:endParaRPr lang="en-US" dirty="0" smtClean="0"/>
-          </a:p>
-          <a:p>
-            <a:pPr lvl="1"/>
-            <a:r>
-              <a:rPr lang="en-US" dirty="0" smtClean="0"/>
-              <a:t>used to selectively </a:t>
-            </a:r>
-            <a:r>
-              <a:rPr lang="en-US" dirty="0"/>
-              <a:t>override functions in other libraries. </a:t>
-            </a:r>
-            <a:endParaRPr lang="en-US" dirty="0" smtClean="0"/>
-          </a:p>
-          <a:p>
-            <a:r>
-              <a:rPr lang="en-US" dirty="0"/>
-              <a:t>command </a:t>
-            </a:r>
-            <a:r>
-              <a:rPr lang="en-US" dirty="0" smtClean="0"/>
-              <a:t>to preload lib</a:t>
-            </a:r>
-          </a:p>
-          <a:p>
-            <a:pPr lvl="1"/>
-            <a:r>
-              <a:rPr lang="en-US" dirty="0" smtClean="0">
-                <a:solidFill>
-                  <a:srgbClr val="7030A0"/>
-                </a:solidFill>
-              </a:rPr>
-              <a:t>% </a:t>
-            </a:r>
-            <a:r>
-              <a:rPr lang="en-US" dirty="0">
-                <a:solidFill>
-                  <a:srgbClr val="7030A0"/>
-                </a:solidFill>
-              </a:rPr>
-              <a:t>export LD_PRELOAD=./</a:t>
-            </a:r>
-            <a:r>
-              <a:rPr lang="en-US" dirty="0" smtClean="0">
-                <a:solidFill>
-                  <a:srgbClr val="7030A0"/>
-                </a:solidFill>
-              </a:rPr>
-              <a:t>libmylib.so.1.0.1</a:t>
-            </a:r>
-          </a:p>
-          <a:p>
-            <a:pPr lvl="1"/>
-            <a:r>
-              <a:rPr lang="en-US" dirty="0"/>
-              <a:t>If </a:t>
-            </a:r>
-            <a:r>
-              <a:rPr lang="en-US" dirty="0">
-                <a:solidFill>
-                  <a:srgbClr val="7030A0"/>
-                </a:solidFill>
-              </a:rPr>
-              <a:t>libmylib.so.1.0.1</a:t>
-            </a:r>
-            <a:r>
-              <a:rPr lang="en-US" dirty="0"/>
-              <a:t> contains a function </a:t>
-            </a:r>
-            <a:r>
-              <a:rPr lang="en-US" dirty="0">
-                <a:solidFill>
-                  <a:srgbClr val="7030A0"/>
-                </a:solidFill>
-              </a:rPr>
-              <a:t>sleep</a:t>
-            </a:r>
-            <a:r>
-              <a:rPr lang="en-US" dirty="0"/>
-              <a:t>, which is a standard </a:t>
-            </a:r>
-            <a:r>
-              <a:rPr lang="en-US" dirty="0" err="1">
-                <a:solidFill>
-                  <a:srgbClr val="7030A0"/>
-                </a:solidFill>
-              </a:rPr>
-              <a:t>libc</a:t>
-            </a:r>
-            <a:r>
-              <a:rPr lang="en-US" dirty="0">
-                <a:solidFill>
-                  <a:srgbClr val="7030A0"/>
-                </a:solidFill>
-              </a:rPr>
-              <a:t> </a:t>
-            </a:r>
-            <a:r>
-              <a:rPr lang="en-US" dirty="0"/>
-              <a:t>function,</a:t>
-            </a:r>
-          </a:p>
-          <a:p>
-            <a:pPr lvl="1"/>
-            <a:r>
-              <a:rPr lang="en-US" dirty="0"/>
-              <a:t>when a program is executed and calls </a:t>
-            </a:r>
-            <a:r>
-              <a:rPr lang="en-US" dirty="0">
-                <a:solidFill>
-                  <a:srgbClr val="7030A0"/>
-                </a:solidFill>
-              </a:rPr>
-              <a:t>sleep</a:t>
-            </a:r>
-            <a:r>
-              <a:rPr lang="en-US" dirty="0"/>
-              <a:t>, the one in </a:t>
-            </a:r>
-            <a:r>
-              <a:rPr lang="en-US" dirty="0">
-                <a:solidFill>
-                  <a:srgbClr val="7030A0"/>
-                </a:solidFill>
-              </a:rPr>
-              <a:t>libmylib.so.1.0.1</a:t>
-            </a:r>
-            <a:r>
-              <a:rPr lang="en-US" dirty="0"/>
-              <a:t> will be invoked.</a:t>
-            </a:r>
-            <a:endParaRPr lang="en-US" dirty="0">
-              <a:solidFill>
-                <a:srgbClr val="7030A0"/>
-              </a:solidFill>
-            </a:endParaRPr>
-          </a:p>
-        </p:txBody>
-      </p:sp>
-    </p:spTree>
-    <p:extLst>
-      <p:ext uri="{BB962C8B-B14F-4D97-AF65-F5344CB8AC3E}">
-        <p14:creationId xmlns:p14="http://schemas.microsoft.com/office/powerpoint/2010/main" val="1337632492"/>
-      </p:ext>
-    </p:extLst>
-  </p:cSld>
-  <p:clrMapOvr>
-    <a:masterClrMapping/>
-  </p:clrMapOvr>
-</p:sld>
-</file>
-
 <file path=ppt/slides/slide3.xml><?xml version="1.0" encoding="utf-8"?>
 <p:sld xmlns:a="http://schemas.openxmlformats.org/drawingml/2006/main" xmlns:r="http://schemas.openxmlformats.org/officeDocument/2006/relationships" xmlns:p="http://schemas.openxmlformats.org/presentationml/2006/main">
   <p:cSld>
@@ -8085,6 +8620,1577 @@
 </file>
 
 <file path=ppt/slides/slide30.xml><?xml version="1.0" encoding="utf-8"?>
+<p:sld xmlns:a="http://schemas.openxmlformats.org/drawingml/2006/main" xmlns:r="http://schemas.openxmlformats.org/officeDocument/2006/relationships" xmlns:p="http://schemas.openxmlformats.org/presentationml/2006/main">
+  <p:cSld>
+    <p:spTree>
+      <p:nvGrpSpPr>
+        <p:cNvPr id="1" name=""/>
+        <p:cNvGrpSpPr/>
+        <p:nvPr/>
+      </p:nvGrpSpPr>
+      <p:grpSpPr>
+        <a:xfrm>
+          <a:off x="0" y="0"/>
+          <a:ext cx="0" cy="0"/>
+          <a:chOff x="0" y="0"/>
+          <a:chExt cx="0" cy="0"/>
+        </a:xfrm>
+      </p:grpSpPr>
+      <p:sp>
+        <p:nvSpPr>
+          <p:cNvPr id="2" name="Title 1"/>
+          <p:cNvSpPr>
+            <a:spLocks noGrp="1"/>
+          </p:cNvSpPr>
+          <p:nvPr>
+            <p:ph type="title"/>
+          </p:nvPr>
+        </p:nvSpPr>
+        <p:spPr/>
+        <p:txBody>
+          <a:bodyPr/>
+          <a:lstStyle/>
+          <a:p>
+            <a:r>
+              <a:rPr lang="en-US" dirty="0" smtClean="0"/>
+              <a:t>Fix Problem Using Absolutely Path</a:t>
+            </a:r>
+            <a:endParaRPr lang="en-US" dirty="0"/>
+          </a:p>
+        </p:txBody>
+      </p:sp>
+      <p:sp>
+        <p:nvSpPr>
+          <p:cNvPr id="3" name="Content Placeholder 2"/>
+          <p:cNvSpPr>
+            <a:spLocks noGrp="1"/>
+          </p:cNvSpPr>
+          <p:nvPr>
+            <p:ph idx="1"/>
+          </p:nvPr>
+        </p:nvSpPr>
+        <p:spPr/>
+        <p:txBody>
+          <a:bodyPr/>
+          <a:lstStyle/>
+          <a:p>
+            <a:r>
+              <a:rPr lang="en-US" dirty="0"/>
+              <a:t>system("/</a:t>
+            </a:r>
+            <a:r>
+              <a:rPr lang="en-US" dirty="0" smtClean="0"/>
+              <a:t>bin/mail");</a:t>
+            </a:r>
+            <a:endParaRPr lang="en-US" dirty="0"/>
+          </a:p>
+        </p:txBody>
+      </p:sp>
+    </p:spTree>
+    <p:extLst>
+      <p:ext uri="{BB962C8B-B14F-4D97-AF65-F5344CB8AC3E}">
+        <p14:creationId xmlns:p14="http://schemas.microsoft.com/office/powerpoint/2010/main" val="2390638852"/>
+      </p:ext>
+    </p:extLst>
+  </p:cSld>
+  <p:clrMapOvr>
+    <a:masterClrMapping/>
+  </p:clrMapOvr>
+  <p:timing>
+    <p:tnLst>
+      <p:par>
+        <p:cTn id="1" dur="indefinite" restart="never" nodeType="tmRoot"/>
+      </p:par>
+    </p:tnLst>
+  </p:timing>
+</p:sld>
+</file>
+
+<file path=ppt/slides/slide31.xml><?xml version="1.0" encoding="utf-8"?>
+<p:sld xmlns:a="http://schemas.openxmlformats.org/drawingml/2006/main" xmlns:r="http://schemas.openxmlformats.org/officeDocument/2006/relationships" xmlns:p="http://schemas.openxmlformats.org/presentationml/2006/main">
+  <p:cSld>
+    <p:spTree>
+      <p:nvGrpSpPr>
+        <p:cNvPr id="1" name=""/>
+        <p:cNvGrpSpPr/>
+        <p:nvPr/>
+      </p:nvGrpSpPr>
+      <p:grpSpPr>
+        <a:xfrm>
+          <a:off x="0" y="0"/>
+          <a:ext cx="0" cy="0"/>
+          <a:chOff x="0" y="0"/>
+          <a:chExt cx="0" cy="0"/>
+        </a:xfrm>
+      </p:grpSpPr>
+      <p:sp>
+        <p:nvSpPr>
+          <p:cNvPr id="2" name="Title 1"/>
+          <p:cNvSpPr>
+            <a:spLocks noGrp="1"/>
+          </p:cNvSpPr>
+          <p:nvPr>
+            <p:ph type="title"/>
+          </p:nvPr>
+        </p:nvSpPr>
+        <p:spPr/>
+        <p:txBody>
+          <a:bodyPr/>
+          <a:lstStyle/>
+          <a:p>
+            <a:r>
+              <a:rPr lang="en-US" dirty="0">
+                <a:solidFill>
+                  <a:srgbClr val="7030A0"/>
+                </a:solidFill>
+              </a:rPr>
+              <a:t>IFS</a:t>
+            </a:r>
+            <a:r>
+              <a:rPr lang="en-US" dirty="0"/>
+              <a:t> Environment Variable</a:t>
+            </a:r>
+          </a:p>
+        </p:txBody>
+      </p:sp>
+      <p:sp>
+        <p:nvSpPr>
+          <p:cNvPr id="3" name="Content Placeholder 2"/>
+          <p:cNvSpPr>
+            <a:spLocks noGrp="1"/>
+          </p:cNvSpPr>
+          <p:nvPr>
+            <p:ph idx="1"/>
+          </p:nvPr>
+        </p:nvSpPr>
+        <p:spPr/>
+        <p:txBody>
+          <a:bodyPr>
+            <a:normAutofit fontScale="85000" lnSpcReduction="20000"/>
+          </a:bodyPr>
+          <a:lstStyle/>
+          <a:p>
+            <a:r>
+              <a:rPr lang="en-US" dirty="0" smtClean="0"/>
+              <a:t>IFS (Internal </a:t>
+            </a:r>
+            <a:r>
+              <a:rPr lang="en-US" dirty="0"/>
+              <a:t>Field </a:t>
+            </a:r>
+            <a:r>
+              <a:rPr lang="en-US" dirty="0" smtClean="0"/>
+              <a:t>Separators)</a:t>
+            </a:r>
+          </a:p>
+          <a:p>
+            <a:pPr lvl="1"/>
+            <a:r>
+              <a:rPr lang="en-US" dirty="0"/>
+              <a:t>V</a:t>
+            </a:r>
+            <a:r>
+              <a:rPr lang="en-US" dirty="0" smtClean="0"/>
+              <a:t>ariable </a:t>
+            </a:r>
+            <a:r>
+              <a:rPr lang="en-US" dirty="0"/>
+              <a:t>determines the characters which are to be interpreted as white </a:t>
+            </a:r>
+            <a:r>
+              <a:rPr lang="en-US" dirty="0" smtClean="0"/>
+              <a:t>spaces</a:t>
+            </a:r>
+          </a:p>
+          <a:p>
+            <a:r>
+              <a:rPr lang="en-US" dirty="0"/>
+              <a:t>Default</a:t>
+            </a:r>
+            <a:r>
+              <a:rPr lang="en-US" i="1" dirty="0" smtClean="0">
+                <a:solidFill>
+                  <a:srgbClr val="FF0000"/>
+                </a:solidFill>
+              </a:rPr>
+              <a:t> IFS=“ \</a:t>
+            </a:r>
+            <a:r>
+              <a:rPr lang="en-US" i="1" dirty="0">
+                <a:solidFill>
+                  <a:srgbClr val="FF0000"/>
+                </a:solidFill>
+              </a:rPr>
+              <a:t>t\n";</a:t>
+            </a:r>
+            <a:endParaRPr lang="en-US" dirty="0" smtClean="0"/>
+          </a:p>
+          <a:p>
+            <a:r>
+              <a:rPr lang="en-US" dirty="0" smtClean="0"/>
+              <a:t>Example of using IFS</a:t>
+            </a:r>
+          </a:p>
+          <a:p>
+            <a:pPr lvl="1"/>
+            <a:r>
+              <a:rPr lang="en-US" i="1" dirty="0">
+                <a:solidFill>
+                  <a:srgbClr val="FF0000"/>
+                </a:solidFill>
+              </a:rPr>
+              <a:t>IFS="</a:t>
+            </a:r>
+            <a:r>
+              <a:rPr lang="en-US" i="1" dirty="0">
+                <a:solidFill>
+                  <a:srgbClr val="7030A0"/>
+                </a:solidFill>
+              </a:rPr>
+              <a:t>/</a:t>
+            </a:r>
+            <a:r>
+              <a:rPr lang="en-US" i="1" dirty="0">
+                <a:solidFill>
+                  <a:srgbClr val="FF0000"/>
+                </a:solidFill>
+              </a:rPr>
+              <a:t> \t\n"; export IFS</a:t>
+            </a:r>
+          </a:p>
+          <a:p>
+            <a:pPr lvl="1"/>
+            <a:r>
+              <a:rPr lang="en-US" i="1" dirty="0">
+                <a:solidFill>
+                  <a:srgbClr val="FF0000"/>
+                </a:solidFill>
+              </a:rPr>
+              <a:t>PATH=".:$PATH"; export PATH</a:t>
+            </a:r>
+          </a:p>
+          <a:p>
+            <a:pPr lvl="1"/>
+            <a:r>
+              <a:rPr lang="en-US" dirty="0" smtClean="0"/>
+              <a:t>system</a:t>
+            </a:r>
+            <a:r>
+              <a:rPr lang="en-US" dirty="0"/>
+              <a:t>("/</a:t>
+            </a:r>
+            <a:r>
+              <a:rPr lang="en-US" dirty="0" smtClean="0"/>
+              <a:t>bin/mail"); </a:t>
+            </a:r>
+            <a:r>
+              <a:rPr lang="en-US" dirty="0"/>
+              <a:t>---&gt; system(" bin </a:t>
+            </a:r>
+            <a:r>
+              <a:rPr lang="en-US" dirty="0" smtClean="0"/>
+              <a:t>mail");</a:t>
+            </a:r>
+          </a:p>
+          <a:p>
+            <a:pPr lvl="1"/>
+            <a:r>
+              <a:rPr lang="en-US" dirty="0"/>
+              <a:t>Problem?</a:t>
+            </a:r>
+          </a:p>
+          <a:p>
+            <a:pPr lvl="2"/>
+            <a:r>
+              <a:rPr lang="en-US" sz="2800" dirty="0"/>
+              <a:t>you call a program “</a:t>
+            </a:r>
+            <a:r>
+              <a:rPr lang="en-US" sz="2800" dirty="0">
+                <a:solidFill>
+                  <a:srgbClr val="FF0000"/>
+                </a:solidFill>
+              </a:rPr>
+              <a:t>bin</a:t>
+            </a:r>
+            <a:r>
+              <a:rPr lang="en-US" sz="2800" dirty="0"/>
+              <a:t>” with a parameter “</a:t>
+            </a:r>
+            <a:r>
+              <a:rPr lang="en-US" sz="2800" dirty="0">
+                <a:solidFill>
+                  <a:srgbClr val="FF0000"/>
+                </a:solidFill>
+              </a:rPr>
+              <a:t>mail</a:t>
+            </a:r>
+            <a:r>
+              <a:rPr lang="en-US" sz="2800" dirty="0" smtClean="0"/>
+              <a:t>”</a:t>
+            </a:r>
+          </a:p>
+          <a:p>
+            <a:r>
+              <a:rPr lang="en-US" dirty="0"/>
+              <a:t>This has been </a:t>
+            </a:r>
+            <a:r>
+              <a:rPr lang="en-US" dirty="0" smtClean="0"/>
+              <a:t>fixed</a:t>
+            </a:r>
+          </a:p>
+          <a:p>
+            <a:pPr lvl="1"/>
+            <a:r>
+              <a:rPr lang="en-US" dirty="0" smtClean="0"/>
+              <a:t>by </a:t>
+            </a:r>
+            <a:r>
+              <a:rPr lang="en-US" dirty="0"/>
+              <a:t>making the shells not inherit the IFS variable</a:t>
+            </a:r>
+          </a:p>
+        </p:txBody>
+      </p:sp>
+      <p:sp>
+        <p:nvSpPr>
+          <p:cNvPr id="4" name="Rectangle 3"/>
+          <p:cNvSpPr/>
+          <p:nvPr/>
+        </p:nvSpPr>
+        <p:spPr>
+          <a:xfrm>
+            <a:off x="4343400" y="6096000"/>
+            <a:ext cx="4572000" cy="646331"/>
+          </a:xfrm>
+          <a:prstGeom prst="rect">
+            <a:avLst/>
+          </a:prstGeom>
+        </p:spPr>
+        <p:txBody>
+          <a:bodyPr>
+            <a:spAutoFit/>
+          </a:bodyPr>
+          <a:lstStyle/>
+          <a:p>
+            <a:r>
+              <a:rPr lang="en-US" dirty="0"/>
+              <a:t>https://en.wikipedia.org/wiki/Internal_field_separator</a:t>
+            </a:r>
+          </a:p>
+        </p:txBody>
+      </p:sp>
+    </p:spTree>
+    <p:extLst>
+      <p:ext uri="{BB962C8B-B14F-4D97-AF65-F5344CB8AC3E}">
+        <p14:creationId xmlns:p14="http://schemas.microsoft.com/office/powerpoint/2010/main" val="632362019"/>
+      </p:ext>
+    </p:extLst>
+  </p:cSld>
+  <p:clrMapOvr>
+    <a:masterClrMapping/>
+  </p:clrMapOvr>
+  <p:timing>
+    <p:tnLst>
+      <p:par>
+        <p:cTn id="1" dur="indefinite" restart="never" nodeType="tmRoot"/>
+      </p:par>
+    </p:tnLst>
+  </p:timing>
+</p:sld>
+</file>
+
+<file path=ppt/slides/slide32.xml><?xml version="1.0" encoding="utf-8"?>
+<p:sld xmlns:a="http://schemas.openxmlformats.org/drawingml/2006/main" xmlns:r="http://schemas.openxmlformats.org/officeDocument/2006/relationships" xmlns:p="http://schemas.openxmlformats.org/presentationml/2006/main">
+  <p:cSld>
+    <p:spTree>
+      <p:nvGrpSpPr>
+        <p:cNvPr id="1" name=""/>
+        <p:cNvGrpSpPr/>
+        <p:nvPr/>
+      </p:nvGrpSpPr>
+      <p:grpSpPr>
+        <a:xfrm>
+          <a:off x="0" y="0"/>
+          <a:ext cx="0" cy="0"/>
+          <a:chOff x="0" y="0"/>
+          <a:chExt cx="0" cy="0"/>
+        </a:xfrm>
+      </p:grpSpPr>
+      <p:sp>
+        <p:nvSpPr>
+          <p:cNvPr id="2" name="Title 1"/>
+          <p:cNvSpPr>
+            <a:spLocks noGrp="1"/>
+          </p:cNvSpPr>
+          <p:nvPr>
+            <p:ph type="title"/>
+          </p:nvPr>
+        </p:nvSpPr>
+        <p:spPr/>
+        <p:txBody>
+          <a:bodyPr>
+            <a:normAutofit fontScale="90000"/>
+          </a:bodyPr>
+          <a:lstStyle/>
+          <a:p>
+            <a:r>
+              <a:rPr lang="en-US" dirty="0"/>
+              <a:t>The PATH Environment variable and Set-UID Programs</a:t>
+            </a:r>
+            <a:endParaRPr lang="en-US" dirty="0"/>
+          </a:p>
+        </p:txBody>
+      </p:sp>
+      <p:sp>
+        <p:nvSpPr>
+          <p:cNvPr id="3" name="Content Placeholder 2"/>
+          <p:cNvSpPr>
+            <a:spLocks noGrp="1"/>
+          </p:cNvSpPr>
+          <p:nvPr>
+            <p:ph idx="1"/>
+          </p:nvPr>
+        </p:nvSpPr>
+        <p:spPr>
+          <a:xfrm>
+            <a:off x="533400" y="1495214"/>
+            <a:ext cx="8229600" cy="1628986"/>
+          </a:xfrm>
+        </p:spPr>
+        <p:txBody>
+          <a:bodyPr>
+            <a:normAutofit fontScale="85000" lnSpcReduction="20000"/>
+          </a:bodyPr>
+          <a:lstStyle/>
+          <a:p>
+            <a:pPr marL="0" indent="0">
+              <a:buNone/>
+            </a:pPr>
+            <a:r>
+              <a:rPr lang="en-US" dirty="0" smtClean="0"/>
+              <a:t>The following program is a set-UID program and suppose to list all files.</a:t>
+            </a:r>
+          </a:p>
+          <a:p>
+            <a:r>
+              <a:rPr lang="en-US" dirty="0">
+                <a:solidFill>
+                  <a:srgbClr val="FF0000"/>
+                </a:solidFill>
+              </a:rPr>
+              <a:t>Challenge: </a:t>
+            </a:r>
+            <a:r>
+              <a:rPr lang="en-US" dirty="0" smtClean="0"/>
+              <a:t>can you let the following program invokes your code and running with </a:t>
+            </a:r>
+            <a:r>
+              <a:rPr lang="en-US" dirty="0"/>
+              <a:t>the root privilege?</a:t>
+            </a:r>
+            <a:endParaRPr lang="en-US" dirty="0" smtClean="0"/>
+          </a:p>
+          <a:p>
+            <a:pPr marL="0" indent="0">
+              <a:buNone/>
+            </a:pPr>
+            <a:endParaRPr lang="en-US" dirty="0"/>
+          </a:p>
+        </p:txBody>
+      </p:sp>
+      <p:pic>
+        <p:nvPicPr>
+          <p:cNvPr id="4" name="Picture 3"/>
+          <p:cNvPicPr>
+            <a:picLocks noChangeAspect="1"/>
+          </p:cNvPicPr>
+          <p:nvPr/>
+        </p:nvPicPr>
+        <p:blipFill>
+          <a:blip r:embed="rId2"/>
+          <a:stretch>
+            <a:fillRect/>
+          </a:stretch>
+        </p:blipFill>
+        <p:spPr>
+          <a:xfrm>
+            <a:off x="1295400" y="3201776"/>
+            <a:ext cx="6293701" cy="1137240"/>
+          </a:xfrm>
+          <a:prstGeom prst="rect">
+            <a:avLst/>
+          </a:prstGeom>
+        </p:spPr>
+      </p:pic>
+      <p:sp>
+        <p:nvSpPr>
+          <p:cNvPr id="5" name="Rectangle 4"/>
+          <p:cNvSpPr/>
+          <p:nvPr/>
+        </p:nvSpPr>
+        <p:spPr>
+          <a:xfrm>
+            <a:off x="859274" y="5105400"/>
+            <a:ext cx="3777444" cy="1200329"/>
+          </a:xfrm>
+          <a:prstGeom prst="rect">
+            <a:avLst/>
+          </a:prstGeom>
+        </p:spPr>
+        <p:txBody>
+          <a:bodyPr wrap="none">
+            <a:spAutoFit/>
+          </a:bodyPr>
+          <a:lstStyle/>
+          <a:p>
+            <a:r>
+              <a:rPr lang="en-US" dirty="0" smtClean="0">
+                <a:latin typeface="NimbusMonL-Regu"/>
+              </a:rPr>
+              <a:t>Hint: </a:t>
+            </a:r>
+          </a:p>
+          <a:p>
+            <a:r>
+              <a:rPr lang="en-US" dirty="0" smtClean="0">
+                <a:latin typeface="NimbusMonL-Regu"/>
+              </a:rPr>
+              <a:t>$ </a:t>
+            </a:r>
+            <a:r>
+              <a:rPr lang="en-US" dirty="0">
+                <a:latin typeface="NimbusMonL-Regu"/>
+              </a:rPr>
+              <a:t>export PATH=/home/seed:$</a:t>
+            </a:r>
+            <a:r>
+              <a:rPr lang="en-US" dirty="0" smtClean="0">
+                <a:latin typeface="NimbusMonL-Regu"/>
+              </a:rPr>
+              <a:t>PATH</a:t>
+            </a:r>
+          </a:p>
+          <a:p>
+            <a:r>
+              <a:rPr lang="en-US" dirty="0" smtClean="0">
+                <a:latin typeface="NimbusMonL-Regu"/>
+              </a:rPr>
+              <a:t>(Lab task 6)</a:t>
+            </a:r>
+          </a:p>
+          <a:p>
+            <a:endParaRPr lang="en-US" dirty="0"/>
+          </a:p>
+        </p:txBody>
+      </p:sp>
+    </p:spTree>
+    <p:extLst>
+      <p:ext uri="{BB962C8B-B14F-4D97-AF65-F5344CB8AC3E}">
+        <p14:creationId xmlns:p14="http://schemas.microsoft.com/office/powerpoint/2010/main" val="1070184655"/>
+      </p:ext>
+    </p:extLst>
+  </p:cSld>
+  <p:clrMapOvr>
+    <a:masterClrMapping/>
+  </p:clrMapOvr>
+</p:sld>
+</file>
+
+<file path=ppt/slides/slide33.xml><?xml version="1.0" encoding="utf-8"?>
+<p:sld xmlns:a="http://schemas.openxmlformats.org/drawingml/2006/main" xmlns:r="http://schemas.openxmlformats.org/officeDocument/2006/relationships" xmlns:p="http://schemas.openxmlformats.org/presentationml/2006/main">
+  <p:cSld>
+    <p:spTree>
+      <p:nvGrpSpPr>
+        <p:cNvPr id="1" name=""/>
+        <p:cNvGrpSpPr/>
+        <p:nvPr/>
+      </p:nvGrpSpPr>
+      <p:grpSpPr>
+        <a:xfrm>
+          <a:off x="0" y="0"/>
+          <a:ext cx="0" cy="0"/>
+          <a:chOff x="0" y="0"/>
+          <a:chExt cx="0" cy="0"/>
+        </a:xfrm>
+      </p:grpSpPr>
+      <p:sp>
+        <p:nvSpPr>
+          <p:cNvPr id="2" name="Title 1"/>
+          <p:cNvSpPr>
+            <a:spLocks noGrp="1"/>
+          </p:cNvSpPr>
+          <p:nvPr>
+            <p:ph type="title"/>
+          </p:nvPr>
+        </p:nvSpPr>
+        <p:spPr/>
+        <p:txBody>
+          <a:bodyPr>
+            <a:normAutofit fontScale="90000"/>
+          </a:bodyPr>
+          <a:lstStyle/>
+          <a:p>
+            <a:r>
+              <a:rPr lang="en-US" dirty="0" smtClean="0">
+                <a:solidFill>
+                  <a:srgbClr val="7030A0"/>
+                </a:solidFill>
+              </a:rPr>
+              <a:t>LD_LIBRARY_PATH</a:t>
+            </a:r>
+            <a:r>
+              <a:rPr lang="en-US" dirty="0" smtClean="0"/>
+              <a:t> </a:t>
+            </a:r>
+            <a:r>
+              <a:rPr lang="en-US" dirty="0"/>
+              <a:t>Environment </a:t>
+            </a:r>
+            <a:r>
+              <a:rPr lang="en-US" dirty="0" smtClean="0"/>
+              <a:t>Variable and Set-UID</a:t>
+            </a:r>
+            <a:endParaRPr lang="en-US" dirty="0"/>
+          </a:p>
+        </p:txBody>
+      </p:sp>
+      <p:sp>
+        <p:nvSpPr>
+          <p:cNvPr id="3" name="Content Placeholder 2"/>
+          <p:cNvSpPr>
+            <a:spLocks noGrp="1"/>
+          </p:cNvSpPr>
+          <p:nvPr>
+            <p:ph idx="1"/>
+          </p:nvPr>
+        </p:nvSpPr>
+        <p:spPr/>
+        <p:txBody>
+          <a:bodyPr>
+            <a:normAutofit fontScale="77500" lnSpcReduction="20000"/>
+          </a:bodyPr>
+          <a:lstStyle/>
+          <a:p>
+            <a:r>
+              <a:rPr lang="en-US" dirty="0"/>
+              <a:t>In Linux, unless explicitly specified via the </a:t>
+            </a:r>
+            <a:r>
+              <a:rPr lang="en-US" dirty="0">
+                <a:solidFill>
+                  <a:srgbClr val="7030A0"/>
+                </a:solidFill>
+              </a:rPr>
+              <a:t>-static </a:t>
+            </a:r>
+            <a:r>
+              <a:rPr lang="en-US" dirty="0"/>
+              <a:t>option during compilation, all </a:t>
+            </a:r>
+            <a:r>
+              <a:rPr lang="en-US" dirty="0" smtClean="0"/>
+              <a:t>Linux programs </a:t>
+            </a:r>
+            <a:r>
+              <a:rPr lang="en-US" dirty="0"/>
+              <a:t>are incomplete and require further linking to the dynamic link libraries at run time. </a:t>
+            </a:r>
+            <a:endParaRPr lang="en-US" dirty="0" smtClean="0"/>
+          </a:p>
+          <a:p>
+            <a:r>
+              <a:rPr lang="en-US" dirty="0" smtClean="0"/>
+              <a:t>The dynamic </a:t>
+            </a:r>
+            <a:r>
+              <a:rPr lang="en-US" dirty="0"/>
+              <a:t>linker/loader </a:t>
+            </a:r>
+            <a:r>
+              <a:rPr lang="en-US" dirty="0">
+                <a:solidFill>
+                  <a:srgbClr val="7030A0"/>
+                </a:solidFill>
+              </a:rPr>
+              <a:t>ld.so/ld-linux.so</a:t>
+            </a:r>
+            <a:r>
+              <a:rPr lang="en-US" dirty="0"/>
+              <a:t> </a:t>
+            </a:r>
+            <a:endParaRPr lang="en-US" dirty="0" smtClean="0"/>
+          </a:p>
+          <a:p>
+            <a:pPr lvl="1"/>
+            <a:r>
+              <a:rPr lang="en-US" dirty="0" smtClean="0"/>
+              <a:t>loads </a:t>
+            </a:r>
+            <a:r>
+              <a:rPr lang="en-US" dirty="0"/>
+              <a:t>the shared libraries needed by a program</a:t>
+            </a:r>
+            <a:r>
+              <a:rPr lang="en-US" dirty="0" smtClean="0"/>
+              <a:t>, </a:t>
+            </a:r>
+          </a:p>
+          <a:p>
+            <a:pPr lvl="1"/>
+            <a:r>
+              <a:rPr lang="en-US" dirty="0" smtClean="0"/>
+              <a:t>prepares </a:t>
+            </a:r>
+            <a:r>
+              <a:rPr lang="en-US" dirty="0"/>
+              <a:t>the program to run, and </a:t>
+            </a:r>
+            <a:endParaRPr lang="en-US" dirty="0" smtClean="0"/>
+          </a:p>
+          <a:p>
+            <a:pPr lvl="1"/>
+            <a:r>
+              <a:rPr lang="en-US" dirty="0" smtClean="0"/>
+              <a:t>then </a:t>
+            </a:r>
+            <a:r>
+              <a:rPr lang="en-US" dirty="0"/>
+              <a:t>runs it. </a:t>
+            </a:r>
+            <a:endParaRPr lang="en-US" dirty="0" smtClean="0"/>
+          </a:p>
+          <a:p>
+            <a:r>
+              <a:rPr lang="en-US" dirty="0" smtClean="0"/>
+              <a:t>Command </a:t>
+            </a:r>
+            <a:r>
+              <a:rPr lang="en-US" dirty="0"/>
+              <a:t>to see </a:t>
+            </a:r>
+            <a:r>
+              <a:rPr lang="en-US" dirty="0" smtClean="0"/>
+              <a:t>what shared </a:t>
+            </a:r>
+            <a:r>
+              <a:rPr lang="en-US" dirty="0"/>
+              <a:t>libraries a program depends </a:t>
+            </a:r>
+            <a:r>
+              <a:rPr lang="en-US" dirty="0" smtClean="0"/>
+              <a:t>on</a:t>
+            </a:r>
+          </a:p>
+          <a:p>
+            <a:pPr lvl="1"/>
+            <a:r>
+              <a:rPr lang="en-US" dirty="0">
+                <a:solidFill>
+                  <a:srgbClr val="7030A0"/>
+                </a:solidFill>
+              </a:rPr>
+              <a:t>% </a:t>
+            </a:r>
+            <a:r>
+              <a:rPr lang="en-US" dirty="0" err="1">
+                <a:solidFill>
+                  <a:srgbClr val="7030A0"/>
+                </a:solidFill>
+              </a:rPr>
+              <a:t>ldd</a:t>
+            </a:r>
+            <a:r>
+              <a:rPr lang="en-US" dirty="0">
+                <a:solidFill>
+                  <a:srgbClr val="7030A0"/>
+                </a:solidFill>
+              </a:rPr>
+              <a:t> /</a:t>
+            </a:r>
+            <a:r>
+              <a:rPr lang="en-US" dirty="0" smtClean="0">
+                <a:solidFill>
+                  <a:srgbClr val="7030A0"/>
+                </a:solidFill>
+              </a:rPr>
+              <a:t>bin/ls # ls program links to </a:t>
+            </a:r>
+            <a:r>
+              <a:rPr lang="en-US" dirty="0" smtClean="0">
+                <a:solidFill>
+                  <a:srgbClr val="7030A0"/>
+                </a:solidFill>
+              </a:rPr>
+              <a:t>libraries</a:t>
+            </a:r>
+          </a:p>
+          <a:p>
+            <a:r>
+              <a:rPr lang="en-US" dirty="0" smtClean="0">
+                <a:solidFill>
+                  <a:srgbClr val="FF0000"/>
+                </a:solidFill>
+              </a:rPr>
+              <a:t>Not inherited if child process is a </a:t>
+            </a:r>
+            <a:r>
+              <a:rPr lang="en-US" dirty="0" err="1" smtClean="0">
+                <a:solidFill>
+                  <a:srgbClr val="FF0000"/>
+                </a:solidFill>
+              </a:rPr>
+              <a:t>setUID</a:t>
+            </a:r>
+            <a:r>
+              <a:rPr lang="en-US" dirty="0" smtClean="0">
+                <a:solidFill>
+                  <a:srgbClr val="FF0000"/>
+                </a:solidFill>
+              </a:rPr>
+              <a:t> program due to security (task 5)</a:t>
+            </a:r>
+            <a:endParaRPr lang="en-US" dirty="0" smtClean="0">
+              <a:solidFill>
+                <a:srgbClr val="FF0000"/>
+              </a:solidFill>
+            </a:endParaRPr>
+          </a:p>
+          <a:p>
+            <a:pPr marL="457200" lvl="1" indent="0">
+              <a:buNone/>
+            </a:pPr>
+            <a:endParaRPr lang="en-US" dirty="0">
+              <a:solidFill>
+                <a:srgbClr val="7030A0"/>
+              </a:solidFill>
+            </a:endParaRPr>
+          </a:p>
+        </p:txBody>
+      </p:sp>
+    </p:spTree>
+    <p:extLst>
+      <p:ext uri="{BB962C8B-B14F-4D97-AF65-F5344CB8AC3E}">
+        <p14:creationId xmlns:p14="http://schemas.microsoft.com/office/powerpoint/2010/main" val="1687051461"/>
+      </p:ext>
+    </p:extLst>
+  </p:cSld>
+  <p:clrMapOvr>
+    <a:masterClrMapping/>
+  </p:clrMapOvr>
+  <p:timing>
+    <p:tnLst>
+      <p:par>
+        <p:cTn id="1" dur="indefinite" restart="never" nodeType="tmRoot"/>
+      </p:par>
+    </p:tnLst>
+  </p:timing>
+</p:sld>
+</file>
+
+<file path=ppt/slides/slide34.xml><?xml version="1.0" encoding="utf-8"?>
+<p:sld xmlns:a="http://schemas.openxmlformats.org/drawingml/2006/main" xmlns:r="http://schemas.openxmlformats.org/officeDocument/2006/relationships" xmlns:p="http://schemas.openxmlformats.org/presentationml/2006/main">
+  <p:cSld>
+    <p:spTree>
+      <p:nvGrpSpPr>
+        <p:cNvPr id="1" name=""/>
+        <p:cNvGrpSpPr/>
+        <p:nvPr/>
+      </p:nvGrpSpPr>
+      <p:grpSpPr>
+        <a:xfrm>
+          <a:off x="0" y="0"/>
+          <a:ext cx="0" cy="0"/>
+          <a:chOff x="0" y="0"/>
+          <a:chExt cx="0" cy="0"/>
+        </a:xfrm>
+      </p:grpSpPr>
+      <p:sp>
+        <p:nvSpPr>
+          <p:cNvPr id="2" name="Title 1"/>
+          <p:cNvSpPr>
+            <a:spLocks noGrp="1"/>
+          </p:cNvSpPr>
+          <p:nvPr>
+            <p:ph type="title"/>
+          </p:nvPr>
+        </p:nvSpPr>
+        <p:spPr/>
+        <p:txBody>
+          <a:bodyPr/>
+          <a:lstStyle/>
+          <a:p>
+            <a:r>
+              <a:rPr lang="en-US" dirty="0">
+                <a:solidFill>
+                  <a:srgbClr val="7030A0"/>
+                </a:solidFill>
+              </a:rPr>
+              <a:t>LD_LIBRARY_PATH</a:t>
+            </a:r>
+            <a:endParaRPr lang="en-US" dirty="0"/>
+          </a:p>
+        </p:txBody>
+      </p:sp>
+      <p:sp>
+        <p:nvSpPr>
+          <p:cNvPr id="3" name="Content Placeholder 2"/>
+          <p:cNvSpPr>
+            <a:spLocks noGrp="1"/>
+          </p:cNvSpPr>
+          <p:nvPr>
+            <p:ph idx="1"/>
+          </p:nvPr>
+        </p:nvSpPr>
+        <p:spPr/>
+        <p:txBody>
+          <a:bodyPr>
+            <a:normAutofit fontScale="70000" lnSpcReduction="20000"/>
+          </a:bodyPr>
+          <a:lstStyle/>
+          <a:p>
+            <a:r>
+              <a:rPr lang="en-US" dirty="0" smtClean="0"/>
+              <a:t>is </a:t>
+            </a:r>
+            <a:r>
+              <a:rPr lang="en-US" dirty="0"/>
+              <a:t>an environment variable used by </a:t>
+            </a:r>
+            <a:endParaRPr lang="en-US" dirty="0" smtClean="0"/>
+          </a:p>
+          <a:p>
+            <a:pPr lvl="1"/>
+            <a:r>
+              <a:rPr lang="en-US" dirty="0" smtClean="0"/>
+              <a:t>the </a:t>
+            </a:r>
+            <a:r>
+              <a:rPr lang="en-US" dirty="0" smtClean="0"/>
+              <a:t>dynamic </a:t>
+            </a:r>
+            <a:r>
+              <a:rPr lang="en-US" dirty="0"/>
+              <a:t>linker/loader (</a:t>
+            </a:r>
+            <a:r>
+              <a:rPr lang="en-US" dirty="0" smtClean="0"/>
+              <a:t>ld.so and </a:t>
+            </a:r>
+            <a:r>
+              <a:rPr lang="en-US" dirty="0"/>
+              <a:t>ld-linux.so). </a:t>
+            </a:r>
+            <a:endParaRPr lang="en-US" dirty="0" smtClean="0"/>
+          </a:p>
+          <a:p>
+            <a:r>
+              <a:rPr lang="en-US" dirty="0" smtClean="0"/>
+              <a:t>It </a:t>
+            </a:r>
+            <a:r>
+              <a:rPr lang="en-US" dirty="0"/>
+              <a:t>contains a list of </a:t>
+            </a:r>
+            <a:r>
+              <a:rPr lang="en-US" dirty="0" smtClean="0"/>
+              <a:t>directories</a:t>
+            </a:r>
+          </a:p>
+          <a:p>
+            <a:pPr lvl="1"/>
+            <a:r>
+              <a:rPr lang="en-US" dirty="0" smtClean="0"/>
+              <a:t>for </a:t>
+            </a:r>
+            <a:r>
+              <a:rPr lang="en-US" dirty="0"/>
+              <a:t>the linker/loader to look for when </a:t>
+            </a:r>
+            <a:r>
+              <a:rPr lang="en-US" dirty="0" smtClean="0"/>
+              <a:t>it searches </a:t>
+            </a:r>
+            <a:r>
+              <a:rPr lang="en-US" dirty="0"/>
+              <a:t>for shared libraries. </a:t>
+            </a:r>
+            <a:endParaRPr lang="en-US" dirty="0" smtClean="0"/>
+          </a:p>
+          <a:p>
+            <a:pPr lvl="1"/>
+            <a:r>
+              <a:rPr lang="en-US" dirty="0" smtClean="0"/>
+              <a:t>Multiple </a:t>
+            </a:r>
+            <a:r>
+              <a:rPr lang="en-US" dirty="0"/>
+              <a:t>directories can be listed, separated with a colon (:). </a:t>
+            </a:r>
+            <a:endParaRPr lang="en-US" dirty="0" smtClean="0"/>
+          </a:p>
+          <a:p>
+            <a:pPr lvl="1"/>
+            <a:r>
+              <a:rPr lang="en-US" dirty="0" smtClean="0"/>
+              <a:t>This list </a:t>
+            </a:r>
+            <a:r>
+              <a:rPr lang="en-US" dirty="0"/>
+              <a:t>is prepended to the existing list of compiled-in loader paths for a given executable, and </a:t>
+            </a:r>
+            <a:r>
+              <a:rPr lang="en-US" dirty="0" smtClean="0"/>
+              <a:t>any system </a:t>
+            </a:r>
+            <a:r>
+              <a:rPr lang="en-US" dirty="0"/>
+              <a:t>default loader paths</a:t>
+            </a:r>
+            <a:r>
+              <a:rPr lang="en-US" dirty="0" smtClean="0"/>
+              <a:t>.</a:t>
+            </a:r>
+          </a:p>
+          <a:p>
+            <a:r>
+              <a:rPr lang="en-US" dirty="0"/>
+              <a:t>Virtually every Unix program depends on </a:t>
+            </a:r>
+            <a:r>
+              <a:rPr lang="en-US" dirty="0">
+                <a:solidFill>
+                  <a:srgbClr val="7030A0"/>
+                </a:solidFill>
+              </a:rPr>
+              <a:t>libc.so</a:t>
+            </a:r>
+            <a:r>
+              <a:rPr lang="en-US" dirty="0"/>
+              <a:t> </a:t>
+            </a:r>
+            <a:endParaRPr lang="en-US" dirty="0" smtClean="0"/>
+          </a:p>
+          <a:p>
+            <a:pPr lvl="1"/>
+            <a:r>
+              <a:rPr lang="en-US" dirty="0" smtClean="0"/>
+              <a:t>and </a:t>
+            </a:r>
+            <a:r>
+              <a:rPr lang="en-US" dirty="0"/>
+              <a:t>virtually every windows </a:t>
+            </a:r>
+            <a:r>
+              <a:rPr lang="en-US" dirty="0" smtClean="0"/>
+              <a:t>program relies </a:t>
+            </a:r>
+            <a:r>
+              <a:rPr lang="en-US" dirty="0"/>
+              <a:t>on DLL’s</a:t>
+            </a:r>
+            <a:r>
+              <a:rPr lang="en-US" dirty="0" smtClean="0"/>
+              <a:t>.</a:t>
+            </a:r>
+          </a:p>
+          <a:p>
+            <a:r>
+              <a:rPr lang="en-US" dirty="0" smtClean="0">
+                <a:solidFill>
+                  <a:srgbClr val="FF0000"/>
+                </a:solidFill>
+              </a:rPr>
+              <a:t>Attacking</a:t>
+            </a:r>
+          </a:p>
+          <a:p>
+            <a:pPr lvl="1"/>
+            <a:r>
+              <a:rPr lang="en-US" dirty="0"/>
+              <a:t>If these libraries can be replaced by malicious copies, malicious code can </a:t>
+            </a:r>
+            <a:r>
+              <a:rPr lang="en-US" dirty="0" smtClean="0"/>
+              <a:t>be invoked </a:t>
+            </a:r>
+            <a:r>
+              <a:rPr lang="en-US" dirty="0"/>
+              <a:t>when functions in these libraries are invoked</a:t>
+            </a:r>
+            <a:r>
+              <a:rPr lang="en-US" dirty="0" smtClean="0"/>
+              <a:t>.</a:t>
+            </a:r>
+          </a:p>
+          <a:p>
+            <a:pPr lvl="1"/>
+            <a:r>
+              <a:rPr lang="en-US" dirty="0">
+                <a:solidFill>
+                  <a:srgbClr val="7030A0"/>
+                </a:solidFill>
+              </a:rPr>
+              <a:t>% </a:t>
+            </a:r>
+            <a:r>
+              <a:rPr lang="en-US" dirty="0" err="1">
+                <a:solidFill>
+                  <a:srgbClr val="7030A0"/>
+                </a:solidFill>
+              </a:rPr>
+              <a:t>setenv</a:t>
+            </a:r>
+            <a:r>
+              <a:rPr lang="en-US" dirty="0">
+                <a:solidFill>
+                  <a:srgbClr val="7030A0"/>
+                </a:solidFill>
+              </a:rPr>
+              <a:t> LD_LIBRARY_PATH .:$</a:t>
+            </a:r>
+            <a:r>
+              <a:rPr lang="en-US" dirty="0" smtClean="0">
+                <a:solidFill>
+                  <a:srgbClr val="7030A0"/>
+                </a:solidFill>
+              </a:rPr>
+              <a:t>LD_LIBRARY_PATH</a:t>
+            </a:r>
+            <a:endParaRPr lang="en-US" dirty="0">
+              <a:solidFill>
+                <a:srgbClr val="7030A0"/>
+              </a:solidFill>
+            </a:endParaRPr>
+          </a:p>
+        </p:txBody>
+      </p:sp>
+    </p:spTree>
+    <p:extLst>
+      <p:ext uri="{BB962C8B-B14F-4D97-AF65-F5344CB8AC3E}">
+        <p14:creationId xmlns:p14="http://schemas.microsoft.com/office/powerpoint/2010/main" val="3633484018"/>
+      </p:ext>
+    </p:extLst>
+  </p:cSld>
+  <p:clrMapOvr>
+    <a:masterClrMapping/>
+  </p:clrMapOvr>
+</p:sld>
+</file>
+
+<file path=ppt/slides/slide35.xml><?xml version="1.0" encoding="utf-8"?>
+<p:sld xmlns:a="http://schemas.openxmlformats.org/drawingml/2006/main" xmlns:r="http://schemas.openxmlformats.org/officeDocument/2006/relationships" xmlns:p="http://schemas.openxmlformats.org/presentationml/2006/main">
+  <p:cSld>
+    <p:spTree>
+      <p:nvGrpSpPr>
+        <p:cNvPr id="1" name=""/>
+        <p:cNvGrpSpPr/>
+        <p:nvPr/>
+      </p:nvGrpSpPr>
+      <p:grpSpPr>
+        <a:xfrm>
+          <a:off x="0" y="0"/>
+          <a:ext cx="0" cy="0"/>
+          <a:chOff x="0" y="0"/>
+          <a:chExt cx="0" cy="0"/>
+        </a:xfrm>
+      </p:grpSpPr>
+      <p:sp>
+        <p:nvSpPr>
+          <p:cNvPr id="2" name="Title 1"/>
+          <p:cNvSpPr>
+            <a:spLocks noGrp="1"/>
+          </p:cNvSpPr>
+          <p:nvPr>
+            <p:ph type="title"/>
+          </p:nvPr>
+        </p:nvSpPr>
+        <p:spPr/>
+        <p:txBody>
+          <a:bodyPr/>
+          <a:lstStyle/>
+          <a:p>
+            <a:r>
+              <a:rPr lang="en-US" dirty="0" smtClean="0">
+                <a:solidFill>
+                  <a:srgbClr val="002060"/>
+                </a:solidFill>
+              </a:rPr>
+              <a:t>Countermeasure</a:t>
+            </a:r>
+            <a:endParaRPr lang="en-US" dirty="0"/>
+          </a:p>
+        </p:txBody>
+      </p:sp>
+      <p:sp>
+        <p:nvSpPr>
+          <p:cNvPr id="3" name="Content Placeholder 2"/>
+          <p:cNvSpPr>
+            <a:spLocks noGrp="1"/>
+          </p:cNvSpPr>
+          <p:nvPr>
+            <p:ph idx="1"/>
+          </p:nvPr>
+        </p:nvSpPr>
+        <p:spPr/>
+        <p:txBody>
+          <a:bodyPr>
+            <a:normAutofit/>
+          </a:bodyPr>
+          <a:lstStyle/>
+          <a:p>
+            <a:r>
+              <a:rPr lang="en-US" sz="2800" dirty="0" smtClean="0"/>
+              <a:t>Protect </a:t>
+            </a:r>
+            <a:r>
+              <a:rPr lang="en-US" sz="2800" dirty="0"/>
+              <a:t>Set-UID programs </a:t>
+            </a:r>
+            <a:endParaRPr lang="en-US" sz="2800" dirty="0" smtClean="0"/>
+          </a:p>
+          <a:p>
+            <a:pPr lvl="1"/>
+            <a:r>
+              <a:rPr lang="en-US" sz="2400" dirty="0" smtClean="0"/>
+              <a:t>ignore </a:t>
+            </a:r>
+            <a:r>
+              <a:rPr lang="en-US" sz="2400" dirty="0"/>
+              <a:t>this environment </a:t>
+            </a:r>
+            <a:r>
+              <a:rPr lang="en-US" sz="2400" dirty="0" smtClean="0"/>
+              <a:t>variable</a:t>
+            </a:r>
+          </a:p>
+          <a:p>
+            <a:r>
+              <a:rPr lang="en-US" sz="2800" dirty="0"/>
+              <a:t>Secure applications </a:t>
+            </a:r>
+            <a:endParaRPr lang="en-US" sz="2800" dirty="0" smtClean="0"/>
+          </a:p>
+          <a:p>
+            <a:pPr lvl="1"/>
+            <a:r>
+              <a:rPr lang="en-US" sz="2400" dirty="0" smtClean="0"/>
+              <a:t>can </a:t>
+            </a:r>
+            <a:r>
+              <a:rPr lang="en-US" sz="2400" dirty="0"/>
+              <a:t>also be linked statically with a </a:t>
+            </a:r>
+            <a:r>
+              <a:rPr lang="en-US" sz="2400" dirty="0" smtClean="0"/>
+              <a:t>trusted</a:t>
+            </a:r>
+          </a:p>
+          <a:p>
+            <a:r>
+              <a:rPr lang="en-US" sz="2800" dirty="0"/>
+              <a:t>In Windows </a:t>
+            </a:r>
+            <a:r>
+              <a:rPr lang="en-US" sz="2800" dirty="0" smtClean="0"/>
+              <a:t>machines </a:t>
+            </a:r>
+          </a:p>
+          <a:p>
+            <a:pPr lvl="1"/>
+            <a:r>
+              <a:rPr lang="en-US" sz="2400" dirty="0" smtClean="0"/>
+              <a:t>when </a:t>
+            </a:r>
+            <a:r>
+              <a:rPr lang="en-US" sz="2400" dirty="0"/>
+              <a:t>loading DLLs, generally, the current directory is searched for DLLs before the system directories. </a:t>
+            </a:r>
+          </a:p>
+          <a:p>
+            <a:pPr lvl="1"/>
+            <a:r>
+              <a:rPr lang="en-US" sz="2400" dirty="0"/>
+              <a:t>If you click on a Microsoft Word document to start Office, the directory containing that document is searched first for DLLs.</a:t>
+            </a:r>
+          </a:p>
+        </p:txBody>
+      </p:sp>
+    </p:spTree>
+    <p:extLst>
+      <p:ext uri="{BB962C8B-B14F-4D97-AF65-F5344CB8AC3E}">
+        <p14:creationId xmlns:p14="http://schemas.microsoft.com/office/powerpoint/2010/main" val="1462757491"/>
+      </p:ext>
+    </p:extLst>
+  </p:cSld>
+  <p:clrMapOvr>
+    <a:masterClrMapping/>
+  </p:clrMapOvr>
+</p:sld>
+</file>
+
+<file path=ppt/slides/slide36.xml><?xml version="1.0" encoding="utf-8"?>
+<p:sld xmlns:a="http://schemas.openxmlformats.org/drawingml/2006/main" xmlns:r="http://schemas.openxmlformats.org/officeDocument/2006/relationships" xmlns:p="http://schemas.openxmlformats.org/presentationml/2006/main">
+  <p:cSld>
+    <p:spTree>
+      <p:nvGrpSpPr>
+        <p:cNvPr id="1" name=""/>
+        <p:cNvGrpSpPr/>
+        <p:nvPr/>
+      </p:nvGrpSpPr>
+      <p:grpSpPr>
+        <a:xfrm>
+          <a:off x="0" y="0"/>
+          <a:ext cx="0" cy="0"/>
+          <a:chOff x="0" y="0"/>
+          <a:chExt cx="0" cy="0"/>
+        </a:xfrm>
+      </p:grpSpPr>
+      <p:sp>
+        <p:nvSpPr>
+          <p:cNvPr id="2" name="Title 1"/>
+          <p:cNvSpPr>
+            <a:spLocks noGrp="1"/>
+          </p:cNvSpPr>
+          <p:nvPr>
+            <p:ph type="title"/>
+          </p:nvPr>
+        </p:nvSpPr>
+        <p:spPr/>
+        <p:txBody>
+          <a:bodyPr>
+            <a:normAutofit fontScale="90000"/>
+          </a:bodyPr>
+          <a:lstStyle/>
+          <a:p>
+            <a:r>
+              <a:rPr lang="en-US" dirty="0" smtClean="0">
+                <a:solidFill>
+                  <a:srgbClr val="7030A0"/>
+                </a:solidFill>
+              </a:rPr>
+              <a:t>LD_PRELOAD </a:t>
+            </a:r>
+            <a:r>
+              <a:rPr lang="en-US" dirty="0"/>
+              <a:t>Environment </a:t>
+            </a:r>
+            <a:r>
+              <a:rPr lang="en-US" dirty="0" smtClean="0"/>
+              <a:t>Variable and Set-UID</a:t>
+            </a:r>
+            <a:endParaRPr lang="en-US" dirty="0"/>
+          </a:p>
+        </p:txBody>
+      </p:sp>
+      <p:sp>
+        <p:nvSpPr>
+          <p:cNvPr id="3" name="Content Placeholder 2"/>
+          <p:cNvSpPr>
+            <a:spLocks noGrp="1"/>
+          </p:cNvSpPr>
+          <p:nvPr>
+            <p:ph idx="1"/>
+          </p:nvPr>
+        </p:nvSpPr>
+        <p:spPr/>
+        <p:txBody>
+          <a:bodyPr>
+            <a:normAutofit fontScale="85000" lnSpcReduction="10000"/>
+          </a:bodyPr>
+          <a:lstStyle/>
+          <a:p>
+            <a:r>
+              <a:rPr lang="en-US" dirty="0"/>
+              <a:t>Many Unix systems allow you to ”pre-load” shared libraries </a:t>
+            </a:r>
+            <a:endParaRPr lang="en-US" dirty="0" smtClean="0"/>
+          </a:p>
+          <a:p>
+            <a:pPr lvl="1"/>
+            <a:r>
+              <a:rPr lang="en-US" dirty="0" smtClean="0"/>
+              <a:t>by </a:t>
+            </a:r>
+            <a:r>
+              <a:rPr lang="en-US" dirty="0"/>
+              <a:t>setting an environment </a:t>
+            </a:r>
+            <a:r>
+              <a:rPr lang="en-US" dirty="0" smtClean="0"/>
+              <a:t>variable LD_PRELOAD</a:t>
+            </a:r>
+            <a:r>
+              <a:rPr lang="en-US" dirty="0"/>
+              <a:t>. </a:t>
+            </a:r>
+            <a:endParaRPr lang="en-US" dirty="0" smtClean="0"/>
+          </a:p>
+          <a:p>
+            <a:pPr lvl="1"/>
+            <a:r>
+              <a:rPr lang="en-US" dirty="0" smtClean="0"/>
+              <a:t>user </a:t>
+            </a:r>
+            <a:r>
+              <a:rPr lang="en-US" dirty="0"/>
+              <a:t>specified libraries will be loaded before all others. </a:t>
+            </a:r>
+            <a:endParaRPr lang="en-US" dirty="0" smtClean="0"/>
+          </a:p>
+          <a:p>
+            <a:pPr lvl="1"/>
+            <a:r>
+              <a:rPr lang="en-US" dirty="0" smtClean="0"/>
+              <a:t>used to selectively </a:t>
+            </a:r>
+            <a:r>
+              <a:rPr lang="en-US" dirty="0"/>
+              <a:t>override functions in other libraries. </a:t>
+            </a:r>
+            <a:endParaRPr lang="en-US" dirty="0" smtClean="0"/>
+          </a:p>
+          <a:p>
+            <a:r>
+              <a:rPr lang="en-US" dirty="0"/>
+              <a:t>command </a:t>
+            </a:r>
+            <a:r>
+              <a:rPr lang="en-US" dirty="0" smtClean="0"/>
+              <a:t>to preload lib</a:t>
+            </a:r>
+          </a:p>
+          <a:p>
+            <a:pPr lvl="1"/>
+            <a:r>
+              <a:rPr lang="en-US" dirty="0" smtClean="0">
+                <a:solidFill>
+                  <a:srgbClr val="7030A0"/>
+                </a:solidFill>
+              </a:rPr>
+              <a:t>% </a:t>
+            </a:r>
+            <a:r>
+              <a:rPr lang="en-US" dirty="0">
+                <a:solidFill>
+                  <a:srgbClr val="7030A0"/>
+                </a:solidFill>
+              </a:rPr>
+              <a:t>export LD_PRELOAD=./</a:t>
+            </a:r>
+            <a:r>
+              <a:rPr lang="en-US" dirty="0" smtClean="0">
+                <a:solidFill>
+                  <a:srgbClr val="7030A0"/>
+                </a:solidFill>
+              </a:rPr>
+              <a:t>libmylib.so.1.0.1</a:t>
+            </a:r>
+          </a:p>
+          <a:p>
+            <a:pPr lvl="1"/>
+            <a:r>
+              <a:rPr lang="en-US" dirty="0"/>
+              <a:t>If </a:t>
+            </a:r>
+            <a:r>
+              <a:rPr lang="en-US" dirty="0">
+                <a:solidFill>
+                  <a:srgbClr val="7030A0"/>
+                </a:solidFill>
+              </a:rPr>
+              <a:t>libmylib.so.1.0.1</a:t>
+            </a:r>
+            <a:r>
+              <a:rPr lang="en-US" dirty="0"/>
+              <a:t> contains a function </a:t>
+            </a:r>
+            <a:r>
+              <a:rPr lang="en-US" dirty="0">
+                <a:solidFill>
+                  <a:srgbClr val="7030A0"/>
+                </a:solidFill>
+              </a:rPr>
+              <a:t>sleep</a:t>
+            </a:r>
+            <a:r>
+              <a:rPr lang="en-US" dirty="0"/>
+              <a:t>, which is a standard </a:t>
+            </a:r>
+            <a:r>
+              <a:rPr lang="en-US" dirty="0" err="1">
+                <a:solidFill>
+                  <a:srgbClr val="7030A0"/>
+                </a:solidFill>
+              </a:rPr>
+              <a:t>libc</a:t>
+            </a:r>
+            <a:r>
+              <a:rPr lang="en-US" dirty="0">
+                <a:solidFill>
+                  <a:srgbClr val="7030A0"/>
+                </a:solidFill>
+              </a:rPr>
+              <a:t> </a:t>
+            </a:r>
+            <a:r>
+              <a:rPr lang="en-US" dirty="0"/>
+              <a:t>function,</a:t>
+            </a:r>
+          </a:p>
+          <a:p>
+            <a:pPr lvl="1"/>
+            <a:r>
+              <a:rPr lang="en-US" dirty="0"/>
+              <a:t>when a program is executed and calls </a:t>
+            </a:r>
+            <a:r>
+              <a:rPr lang="en-US" dirty="0">
+                <a:solidFill>
+                  <a:srgbClr val="7030A0"/>
+                </a:solidFill>
+              </a:rPr>
+              <a:t>sleep</a:t>
+            </a:r>
+            <a:r>
+              <a:rPr lang="en-US" dirty="0"/>
+              <a:t>, the one in </a:t>
+            </a:r>
+            <a:r>
+              <a:rPr lang="en-US" dirty="0">
+                <a:solidFill>
+                  <a:srgbClr val="7030A0"/>
+                </a:solidFill>
+              </a:rPr>
+              <a:t>libmylib.so.1.0.1</a:t>
+            </a:r>
+            <a:r>
+              <a:rPr lang="en-US" dirty="0"/>
+              <a:t> will be invoked.</a:t>
+            </a:r>
+            <a:endParaRPr lang="en-US" dirty="0">
+              <a:solidFill>
+                <a:srgbClr val="7030A0"/>
+              </a:solidFill>
+            </a:endParaRPr>
+          </a:p>
+        </p:txBody>
+      </p:sp>
+    </p:spTree>
+    <p:extLst>
+      <p:ext uri="{BB962C8B-B14F-4D97-AF65-F5344CB8AC3E}">
+        <p14:creationId xmlns:p14="http://schemas.microsoft.com/office/powerpoint/2010/main" val="1337632492"/>
+      </p:ext>
+    </p:extLst>
+  </p:cSld>
+  <p:clrMapOvr>
+    <a:masterClrMapping/>
+  </p:clrMapOvr>
+</p:sld>
+</file>
+
+<file path=ppt/slides/slide37.xml><?xml version="1.0" encoding="utf-8"?>
 <p:sld xmlns:a="http://schemas.openxmlformats.org/drawingml/2006/main" xmlns:r="http://schemas.openxmlformats.org/officeDocument/2006/relationships" xmlns:p="http://schemas.openxmlformats.org/presentationml/2006/main">
   <p:cSld>
     <p:spTree>
@@ -8164,7 +10270,7 @@
         <p:spPr>
           <a:xfrm>
             <a:off x="457200" y="5334000"/>
-            <a:ext cx="8382000" cy="923330"/>
+            <a:ext cx="8382000" cy="1200329"/>
           </a:xfrm>
           <a:prstGeom prst="rect">
             <a:avLst/>
@@ -8194,8 +10300,25 @@
             </a:r>
             <a:r>
               <a:rPr lang="en-US" dirty="0"/>
-              <a:t>is a Set-UID root program, unless the real UID is also zero.</a:t>
-            </a:r>
+              <a:t>is a Set-UID root program, unless the real UID is also zero</a:t>
+            </a:r>
+            <a:r>
+              <a:rPr lang="en-US" dirty="0" smtClean="0"/>
+              <a:t>. </a:t>
+            </a:r>
+            <a:r>
+              <a:rPr lang="en-US" dirty="0" smtClean="0">
+                <a:solidFill>
+                  <a:srgbClr val="FF0000"/>
+                </a:solidFill>
+              </a:rPr>
+              <a:t>(Task 8)</a:t>
+            </a:r>
+            <a:endParaRPr lang="en-US" dirty="0">
+              <a:solidFill>
+                <a:srgbClr val="FF0000"/>
+              </a:solidFill>
+            </a:endParaRPr>
           </a:p>
         </p:txBody>
       </p:sp>
@@ -8212,7 +10335,7 @@
 </p:sld>
 </file>
 
-<file path=ppt/slides/slide31.xml><?xml version="1.0" encoding="utf-8"?>
+<file path=ppt/slides/slide38.xml><?xml version="1.0" encoding="utf-8"?>
 <p:sld xmlns:a="http://schemas.openxmlformats.org/drawingml/2006/main" xmlns:r="http://schemas.openxmlformats.org/officeDocument/2006/relationships" xmlns:p="http://schemas.openxmlformats.org/presentationml/2006/main">
   <p:cSld>
     <p:spTree>
@@ -8321,7 +10444,7 @@
 </p:sld>
 </file>
 
-<file path=ppt/slides/slide32.xml><?xml version="1.0" encoding="utf-8"?>
+<file path=ppt/slides/slide39.xml><?xml version="1.0" encoding="utf-8"?>
 <p:sld xmlns:a="http://schemas.openxmlformats.org/drawingml/2006/main" xmlns:r="http://schemas.openxmlformats.org/officeDocument/2006/relationships" xmlns:p="http://schemas.openxmlformats.org/presentationml/2006/main">
   <p:cSld>
     <p:spTree>
@@ -8538,19 +10661,74 @@
                   <a:srgbClr val="7030A0"/>
                 </a:solidFill>
               </a:rPr>
-              <a:t> -f /* ; /bin/</a:t>
-            </a:r>
-            <a:r>
-              <a:rPr lang="en-US" sz="2000" dirty="0" err="1">
+              <a:t> -f /* ; /</a:t>
+            </a:r>
+            <a:r>
+              <a:rPr lang="en-US" sz="2000" dirty="0" smtClean="0">
                 <a:solidFill>
                   <a:srgbClr val="7030A0"/>
                 </a:solidFill>
               </a:rPr>
+              <a:t>bin/</a:t>
+            </a:r>
+            <a:r>
+              <a:rPr lang="en-US" sz="2000" dirty="0" err="1" smtClean="0">
+                <a:solidFill>
+                  <a:srgbClr val="7030A0"/>
+                </a:solidFill>
+              </a:rPr>
               <a:t>sh</a:t>
             </a:r>
+            <a:r>
+              <a:rPr lang="en-US" sz="2000" dirty="0" smtClean="0">
+                <a:solidFill>
+                  <a:srgbClr val="7030A0"/>
+                </a:solidFill>
+              </a:rPr>
+              <a:t> </a:t>
+            </a:r>
+            <a:r>
+              <a:rPr lang="en-US" sz="2000" dirty="0" smtClean="0">
+                <a:solidFill>
+                  <a:srgbClr val="FF0000"/>
+                </a:solidFill>
+              </a:rPr>
+              <a:t>(Task 8)</a:t>
+            </a:r>
+          </a:p>
+          <a:p>
+            <a:pPr marL="0" indent="0">
+              <a:buNone/>
+            </a:pPr>
             <a:endParaRPr lang="en-US" sz="2000" dirty="0">
               <a:solidFill>
-                <a:srgbClr val="7030A0"/>
+                <a:srgbClr val="FF0000"/>
+              </a:solidFill>
+            </a:endParaRPr>
+          </a:p>
+          <a:p>
+            <a:pPr marL="0" indent="0">
+              <a:buNone/>
+            </a:pPr>
+            <a:r>
+              <a:rPr lang="en-US" sz="2000" dirty="0" err="1" smtClean="0">
+                <a:solidFill>
+                  <a:srgbClr val="FF0000"/>
+                </a:solidFill>
+              </a:rPr>
+              <a:t>execev</a:t>
+            </a:r>
+            <a:r>
+              <a:rPr lang="en-US" sz="2000" dirty="0" smtClean="0">
+                <a:solidFill>
+                  <a:srgbClr val="FF0000"/>
+                </a:solidFill>
+              </a:rPr>
+              <a:t>() doesn’t have the problem.</a:t>
+            </a:r>
+            <a:endParaRPr lang="en-US" sz="2000" dirty="0">
+              <a:solidFill>
+                <a:srgbClr val="FF0000"/>
               </a:solidFill>
             </a:endParaRPr>
           </a:p>
